--- a/bitcoin.pptx
+++ b/bitcoin.pptx
@@ -9,6 +9,8 @@
     <p:sldId id="257" r:id="rId3"/>
     <p:sldId id="258" r:id="rId4"/>
     <p:sldId id="259" r:id="rId5"/>
+    <p:sldId id="260" r:id="rId6"/>
+    <p:sldId id="261" r:id="rId7"/>
   </p:sldIdLst>
   <p:sldSz cx="12192000" cy="6858000"/>
   <p:notesSz cx="6858000" cy="9144000"/>
@@ -4196,39 +4198,41 @@
           <a:p>
             <a:r>
               <a:rPr lang="he-IL" dirty="0"/>
-              <a:t>מטבע וירטואלי הראשון שיצא</a:t>
+              <a:t>מטבע וירטואלי הראשון שאי פעם יצא</a:t>
             </a:r>
             <a:endParaRPr lang="en-US" dirty="0"/>
           </a:p>
           <a:p>
             <a:r>
               <a:rPr lang="he-IL" dirty="0"/>
-              <a:t>נשמר בארנק דיגיטלי</a:t>
+              <a:t>מטבע ללא גוף מרכזי</a:t>
             </a:r>
             <a:endParaRPr lang="en-US" dirty="0"/>
           </a:p>
           <a:p>
             <a:r>
               <a:rPr lang="en-US" dirty="0"/>
-              <a:t>H</a:t>
-            </a:r>
+              <a:t>Limited amount of coins - 21 million</a:t>
+            </a:r>
+          </a:p>
+          <a:p>
+            <a:r>
+              <a:rPr lang="he-IL" dirty="0"/>
+              <a:t>שומר על פרטיות</a:t>
+            </a:r>
+            <a:endParaRPr lang="en-US" dirty="0"/>
           </a:p>
           <a:p>
             <a:r>
               <a:rPr lang="en-US" dirty="0"/>
-              <a:t>H</a:t>
-            </a:r>
-          </a:p>
-          <a:p>
-            <a:r>
-              <a:rPr lang="en-US" dirty="0"/>
-              <a:t>H</a:t>
-            </a:r>
-          </a:p>
-          <a:p>
-            <a:pPr marL="0" indent="0">
-              <a:buNone/>
-            </a:pPr>
+              <a:t> There are 7.1 million active bitcoin users</a:t>
+            </a:r>
+          </a:p>
+          <a:p>
+            <a:r>
+              <a:rPr lang="he-IL" dirty="0"/>
+              <a:t>מטבע אמין</a:t>
+            </a:r>
             <a:endParaRPr lang="en-US" dirty="0"/>
           </a:p>
         </p:txBody>
@@ -4351,43 +4355,38 @@
             <p:ph idx="1"/>
           </p:nvPr>
         </p:nvSpPr>
-        <p:spPr/>
+        <p:spPr>
+          <a:xfrm>
+            <a:off x="581193" y="2049712"/>
+            <a:ext cx="11029615" cy="3634486"/>
+          </a:xfrm>
+        </p:spPr>
         <p:txBody>
           <a:bodyPr/>
           <a:lstStyle/>
           <a:p>
             <a:r>
-              <a:rPr lang="he-IL" dirty="0"/>
-              <a:t>נוצר על ידי </a:t>
-            </a:r>
-            <a:r>
-              <a:rPr lang="he-IL" dirty="0" err="1"/>
-              <a:t>סטוסקי</a:t>
-            </a:r>
-            <a:r>
-              <a:rPr lang="he-IL" dirty="0"/>
-              <a:t> </a:t>
-            </a:r>
-            <a:r>
-              <a:rPr lang="he-IL" dirty="0" err="1"/>
-              <a:t>נקמוטו</a:t>
-            </a:r>
-            <a:r>
-              <a:rPr lang="he-IL" dirty="0"/>
-              <a:t> ב 2009</a:t>
-            </a:r>
-          </a:p>
-          <a:p>
-            <a:r>
-              <a:rPr lang="he-IL" dirty="0"/>
-              <a:t>גג</a:t>
-            </a:r>
-          </a:p>
-          <a:p>
-            <a:r>
-              <a:rPr lang="he-IL" dirty="0"/>
-              <a:t>ב-2010 השווי של מטבע אחד עמד על 10 שקלים. כיום מטבע אחד שווה כ27 אלף שקל</a:t>
-            </a:r>
+              <a:rPr lang="en-US" dirty="0"/>
+              <a:t>It was developed by unknown person named Satoshi Nakamoto</a:t>
+            </a:r>
+            <a:endParaRPr lang="he-IL" dirty="0"/>
+          </a:p>
+          <a:p>
+            <a:r>
+              <a:rPr lang="en-US" dirty="0"/>
+              <a:t>The first item that was purchased with bitcoin was pizza that cost 10,000 BTC in 2010</a:t>
+            </a:r>
+          </a:p>
+          <a:p>
+            <a:r>
+              <a:rPr lang="en-US" dirty="0"/>
+              <a:t>…</a:t>
+            </a:r>
+          </a:p>
+          <a:p>
+            <a:endParaRPr lang="en-US" dirty="0"/>
+          </a:p>
+          <a:p>
             <a:endParaRPr lang="en-US" dirty="0"/>
           </a:p>
         </p:txBody>
@@ -4486,6 +4485,198 @@
     <p:extLst>
       <p:ext uri="{BB962C8B-B14F-4D97-AF65-F5344CB8AC3E}">
         <p14:creationId xmlns:p14="http://schemas.microsoft.com/office/powerpoint/2010/main" val="180372164"/>
+      </p:ext>
+    </p:extLst>
+  </p:cSld>
+  <p:clrMapOvr>
+    <a:masterClrMapping/>
+  </p:clrMapOvr>
+</p:sld>
+</file>
+
+<file path=ppt/slides/slide5.xml><?xml version="1.0" encoding="utf-8"?>
+<p:sld xmlns:a="http://schemas.openxmlformats.org/drawingml/2006/main" xmlns:r="http://schemas.openxmlformats.org/officeDocument/2006/relationships" xmlns:p="http://schemas.openxmlformats.org/presentationml/2006/main">
+  <p:cSld>
+    <p:spTree>
+      <p:nvGrpSpPr>
+        <p:cNvPr id="1" name=""/>
+        <p:cNvGrpSpPr/>
+        <p:nvPr/>
+      </p:nvGrpSpPr>
+      <p:grpSpPr>
+        <a:xfrm>
+          <a:off x="0" y="0"/>
+          <a:ext cx="0" cy="0"/>
+          <a:chOff x="0" y="0"/>
+          <a:chExt cx="0" cy="0"/>
+        </a:xfrm>
+      </p:grpSpPr>
+      <p:sp>
+        <p:nvSpPr>
+          <p:cNvPr id="2" name="Title 1">
+            <a:extLst>
+              <a:ext uri="{FF2B5EF4-FFF2-40B4-BE49-F238E27FC236}">
+                <a16:creationId xmlns:a16="http://schemas.microsoft.com/office/drawing/2014/main" id="{4EECDA30-2646-408F-8F69-2B71C5FA569C}"/>
+              </a:ext>
+            </a:extLst>
+          </p:cNvPr>
+          <p:cNvSpPr>
+            <a:spLocks noGrp="1"/>
+          </p:cNvSpPr>
+          <p:nvPr>
+            <p:ph type="title"/>
+          </p:nvPr>
+        </p:nvSpPr>
+        <p:spPr/>
+        <p:txBody>
+          <a:bodyPr/>
+          <a:lstStyle/>
+          <a:p>
+            <a:r>
+              <a:rPr lang="en-US" dirty="0"/>
+              <a:t>What is blockchain?</a:t>
+            </a:r>
+          </a:p>
+        </p:txBody>
+      </p:sp>
+      <p:sp>
+        <p:nvSpPr>
+          <p:cNvPr id="3" name="Content Placeholder 2">
+            <a:extLst>
+              <a:ext uri="{FF2B5EF4-FFF2-40B4-BE49-F238E27FC236}">
+                <a16:creationId xmlns:a16="http://schemas.microsoft.com/office/drawing/2014/main" id="{0C10BB74-5747-4A14-982E-168F0CEAC9A8}"/>
+              </a:ext>
+            </a:extLst>
+          </p:cNvPr>
+          <p:cNvSpPr>
+            <a:spLocks noGrp="1"/>
+          </p:cNvSpPr>
+          <p:nvPr>
+            <p:ph idx="1"/>
+          </p:nvPr>
+        </p:nvSpPr>
+        <p:spPr/>
+        <p:txBody>
+          <a:bodyPr/>
+          <a:lstStyle/>
+          <a:p>
+            <a:r>
+              <a:rPr lang="he-IL" dirty="0"/>
+              <a:t>שרשרת של בלוקים</a:t>
+            </a:r>
+            <a:endParaRPr lang="en-US" dirty="0"/>
+          </a:p>
+          <a:p>
+            <a:r>
+              <a:rPr lang="he-IL" dirty="0"/>
+              <a:t>כל בלוק מכיל בערך 2000 עסקאות</a:t>
+            </a:r>
+          </a:p>
+          <a:p>
+            <a:r>
+              <a:rPr lang="he-IL" dirty="0"/>
+              <a:t>השרשרת יושבת במחשבים ברשת</a:t>
+            </a:r>
+          </a:p>
+          <a:p>
+            <a:r>
+              <a:rPr lang="he-IL" dirty="0"/>
+              <a:t>לא ניתן לשנות את המידע בבלוקים</a:t>
+            </a:r>
+          </a:p>
+        </p:txBody>
+      </p:sp>
+    </p:spTree>
+    <p:extLst>
+      <p:ext uri="{BB962C8B-B14F-4D97-AF65-F5344CB8AC3E}">
+        <p14:creationId xmlns:p14="http://schemas.microsoft.com/office/powerpoint/2010/main" val="2533851399"/>
+      </p:ext>
+    </p:extLst>
+  </p:cSld>
+  <p:clrMapOvr>
+    <a:masterClrMapping/>
+  </p:clrMapOvr>
+</p:sld>
+</file>
+
+<file path=ppt/slides/slide6.xml><?xml version="1.0" encoding="utf-8"?>
+<p:sld xmlns:a="http://schemas.openxmlformats.org/drawingml/2006/main" xmlns:r="http://schemas.openxmlformats.org/officeDocument/2006/relationships" xmlns:p="http://schemas.openxmlformats.org/presentationml/2006/main">
+  <p:cSld>
+    <p:spTree>
+      <p:nvGrpSpPr>
+        <p:cNvPr id="1" name=""/>
+        <p:cNvGrpSpPr/>
+        <p:nvPr/>
+      </p:nvGrpSpPr>
+      <p:grpSpPr>
+        <a:xfrm>
+          <a:off x="0" y="0"/>
+          <a:ext cx="0" cy="0"/>
+          <a:chOff x="0" y="0"/>
+          <a:chExt cx="0" cy="0"/>
+        </a:xfrm>
+      </p:grpSpPr>
+      <p:sp>
+        <p:nvSpPr>
+          <p:cNvPr id="2" name="Title 1">
+            <a:extLst>
+              <a:ext uri="{FF2B5EF4-FFF2-40B4-BE49-F238E27FC236}">
+                <a16:creationId xmlns:a16="http://schemas.microsoft.com/office/drawing/2014/main" id="{5A7DCCE2-DEB6-44AE-A4EF-D089ACD4DCCE}"/>
+              </a:ext>
+            </a:extLst>
+          </p:cNvPr>
+          <p:cNvSpPr>
+            <a:spLocks noGrp="1"/>
+          </p:cNvSpPr>
+          <p:nvPr>
+            <p:ph type="title"/>
+          </p:nvPr>
+        </p:nvSpPr>
+        <p:spPr/>
+        <p:txBody>
+          <a:bodyPr/>
+          <a:lstStyle/>
+          <a:p>
+            <a:r>
+              <a:rPr lang="en-US" dirty="0"/>
+              <a:t>Safety</a:t>
+            </a:r>
+          </a:p>
+        </p:txBody>
+      </p:sp>
+      <p:sp>
+        <p:nvSpPr>
+          <p:cNvPr id="3" name="Content Placeholder 2">
+            <a:extLst>
+              <a:ext uri="{FF2B5EF4-FFF2-40B4-BE49-F238E27FC236}">
+                <a16:creationId xmlns:a16="http://schemas.microsoft.com/office/drawing/2014/main" id="{BF589347-4B69-48C0-AF2D-1B28B02A1576}"/>
+              </a:ext>
+            </a:extLst>
+          </p:cNvPr>
+          <p:cNvSpPr>
+            <a:spLocks noGrp="1"/>
+          </p:cNvSpPr>
+          <p:nvPr>
+            <p:ph idx="1"/>
+          </p:nvPr>
+        </p:nvSpPr>
+        <p:spPr/>
+        <p:txBody>
+          <a:bodyPr/>
+          <a:lstStyle/>
+          <a:p>
+            <a:r>
+              <a:rPr lang="he-IL"/>
+              <a:t>כל בלוק מכיל ............</a:t>
+            </a:r>
+            <a:endParaRPr lang="en-US"/>
+          </a:p>
+        </p:txBody>
+      </p:sp>
+    </p:spTree>
+    <p:extLst>
+      <p:ext uri="{BB962C8B-B14F-4D97-AF65-F5344CB8AC3E}">
+        <p14:creationId xmlns:p14="http://schemas.microsoft.com/office/powerpoint/2010/main" val="2197069239"/>
       </p:ext>
     </p:extLst>
   </p:cSld>

--- a/bitcoin.pptx
+++ b/bitcoin.pptx
@@ -4,6 +4,9 @@
   <p:sldMasterIdLst>
     <p:sldMasterId id="2147483686" r:id="rId1"/>
   </p:sldMasterIdLst>
+  <p:notesMasterIdLst>
+    <p:notesMasterId r:id="rId28"/>
+  </p:notesMasterIdLst>
   <p:sldIdLst>
     <p:sldId id="256" r:id="rId2"/>
     <p:sldId id="257" r:id="rId3"/>
@@ -11,6 +14,26 @@
     <p:sldId id="259" r:id="rId5"/>
     <p:sldId id="260" r:id="rId6"/>
     <p:sldId id="261" r:id="rId7"/>
+    <p:sldId id="262" r:id="rId8"/>
+    <p:sldId id="263" r:id="rId9"/>
+    <p:sldId id="264" r:id="rId10"/>
+    <p:sldId id="265" r:id="rId11"/>
+    <p:sldId id="266" r:id="rId12"/>
+    <p:sldId id="267" r:id="rId13"/>
+    <p:sldId id="269" r:id="rId14"/>
+    <p:sldId id="278" r:id="rId15"/>
+    <p:sldId id="268" r:id="rId16"/>
+    <p:sldId id="275" r:id="rId17"/>
+    <p:sldId id="276" r:id="rId18"/>
+    <p:sldId id="277" r:id="rId19"/>
+    <p:sldId id="279" r:id="rId20"/>
+    <p:sldId id="270" r:id="rId21"/>
+    <p:sldId id="271" r:id="rId22"/>
+    <p:sldId id="272" r:id="rId23"/>
+    <p:sldId id="273" r:id="rId24"/>
+    <p:sldId id="274" r:id="rId25"/>
+    <p:sldId id="280" r:id="rId26"/>
+    <p:sldId id="281" r:id="rId27"/>
   </p:sldIdLst>
   <p:sldSz cx="12192000" cy="6858000"/>
   <p:notesSz cx="6858000" cy="9144000"/>
@@ -109,6 +132,11 @@
       </a:defRPr>
     </a:lvl9pPr>
   </p:defaultTextStyle>
+  <p:extLst>
+    <p:ext uri="{EFAFB233-063F-42B5-8137-9DF3F51BA10A}">
+      <p15:sldGuideLst xmlns:p15="http://schemas.microsoft.com/office/powerpoint/2012/main"/>
+    </p:ext>
+  </p:extLst>
 </p:presentation>
 </file>
 
@@ -136,6 +164,439 @@
     </p:extLst>
   </p:cm>
 </p:cmLst>
+</file>
+
+<file path=ppt/notesMasters/notesMaster1.xml><?xml version="1.0" encoding="utf-8"?>
+<p:notesMaster xmlns:a="http://schemas.openxmlformats.org/drawingml/2006/main" xmlns:r="http://schemas.openxmlformats.org/officeDocument/2006/relationships" xmlns:p="http://schemas.openxmlformats.org/presentationml/2006/main">
+  <p:cSld>
+    <p:bg>
+      <p:bgRef idx="1001">
+        <a:schemeClr val="bg1"/>
+      </p:bgRef>
+    </p:bg>
+    <p:spTree>
+      <p:nvGrpSpPr>
+        <p:cNvPr id="1" name=""/>
+        <p:cNvGrpSpPr/>
+        <p:nvPr/>
+      </p:nvGrpSpPr>
+      <p:grpSpPr>
+        <a:xfrm>
+          <a:off x="0" y="0"/>
+          <a:ext cx="0" cy="0"/>
+          <a:chOff x="0" y="0"/>
+          <a:chExt cx="0" cy="0"/>
+        </a:xfrm>
+      </p:grpSpPr>
+      <p:sp>
+        <p:nvSpPr>
+          <p:cNvPr id="2" name="Header Placeholder 1"/>
+          <p:cNvSpPr>
+            <a:spLocks noGrp="1"/>
+          </p:cNvSpPr>
+          <p:nvPr>
+            <p:ph type="hdr" sz="quarter"/>
+          </p:nvPr>
+        </p:nvSpPr>
+        <p:spPr>
+          <a:xfrm>
+            <a:off x="0" y="0"/>
+            <a:ext cx="2971800" cy="458788"/>
+          </a:xfrm>
+          <a:prstGeom prst="rect">
+            <a:avLst/>
+          </a:prstGeom>
+        </p:spPr>
+        <p:txBody>
+          <a:bodyPr vert="horz" lIns="91440" tIns="45720" rIns="91440" bIns="45720" rtlCol="0"/>
+          <a:lstStyle>
+            <a:lvl1pPr algn="l">
+              <a:defRPr sz="1200"/>
+            </a:lvl1pPr>
+          </a:lstStyle>
+          <a:p>
+            <a:endParaRPr lang="en-US"/>
+          </a:p>
+        </p:txBody>
+      </p:sp>
+      <p:sp>
+        <p:nvSpPr>
+          <p:cNvPr id="3" name="Date Placeholder 2"/>
+          <p:cNvSpPr>
+            <a:spLocks noGrp="1"/>
+          </p:cNvSpPr>
+          <p:nvPr>
+            <p:ph type="dt" idx="1"/>
+          </p:nvPr>
+        </p:nvSpPr>
+        <p:spPr>
+          <a:xfrm>
+            <a:off x="3884613" y="0"/>
+            <a:ext cx="2971800" cy="458788"/>
+          </a:xfrm>
+          <a:prstGeom prst="rect">
+            <a:avLst/>
+          </a:prstGeom>
+        </p:spPr>
+        <p:txBody>
+          <a:bodyPr vert="horz" lIns="91440" tIns="45720" rIns="91440" bIns="45720" rtlCol="0"/>
+          <a:lstStyle>
+            <a:lvl1pPr algn="r">
+              <a:defRPr sz="1200"/>
+            </a:lvl1pPr>
+          </a:lstStyle>
+          <a:p>
+            <a:fld id="{0AF0DBCA-8CDB-48B8-894D-1255CC68AC46}" type="datetimeFigureOut">
+              <a:rPr lang="en-US" smtClean="0"/>
+              <a:t>12/7/2019</a:t>
+            </a:fld>
+            <a:endParaRPr lang="en-US"/>
+          </a:p>
+        </p:txBody>
+      </p:sp>
+      <p:sp>
+        <p:nvSpPr>
+          <p:cNvPr id="4" name="Slide Image Placeholder 3"/>
+          <p:cNvSpPr>
+            <a:spLocks noGrp="1" noRot="1" noChangeAspect="1"/>
+          </p:cNvSpPr>
+          <p:nvPr>
+            <p:ph type="sldImg" idx="2"/>
+          </p:nvPr>
+        </p:nvSpPr>
+        <p:spPr>
+          <a:xfrm>
+            <a:off x="685800" y="1143000"/>
+            <a:ext cx="5486400" cy="3086100"/>
+          </a:xfrm>
+          <a:prstGeom prst="rect">
+            <a:avLst/>
+          </a:prstGeom>
+          <a:noFill/>
+          <a:ln w="12700">
+            <a:solidFill>
+              <a:prstClr val="black"/>
+            </a:solidFill>
+          </a:ln>
+        </p:spPr>
+        <p:txBody>
+          <a:bodyPr vert="horz" lIns="91440" tIns="45720" rIns="91440" bIns="45720" rtlCol="0" anchor="ctr"/>
+          <a:lstStyle/>
+          <a:p>
+            <a:endParaRPr lang="en-US"/>
+          </a:p>
+        </p:txBody>
+      </p:sp>
+      <p:sp>
+        <p:nvSpPr>
+          <p:cNvPr id="5" name="Notes Placeholder 4"/>
+          <p:cNvSpPr>
+            <a:spLocks noGrp="1"/>
+          </p:cNvSpPr>
+          <p:nvPr>
+            <p:ph type="body" sz="quarter" idx="3"/>
+          </p:nvPr>
+        </p:nvSpPr>
+        <p:spPr>
+          <a:xfrm>
+            <a:off x="685800" y="4400550"/>
+            <a:ext cx="5486400" cy="3600450"/>
+          </a:xfrm>
+          <a:prstGeom prst="rect">
+            <a:avLst/>
+          </a:prstGeom>
+        </p:spPr>
+        <p:txBody>
+          <a:bodyPr vert="horz" lIns="91440" tIns="45720" rIns="91440" bIns="45720" rtlCol="0"/>
+          <a:lstStyle/>
+          <a:p>
+            <a:pPr lvl="0"/>
+            <a:r>
+              <a:rPr lang="en-US"/>
+              <a:t>Click to edit Master text styles</a:t>
+            </a:r>
+          </a:p>
+          <a:p>
+            <a:pPr lvl="1"/>
+            <a:r>
+              <a:rPr lang="en-US"/>
+              <a:t>Second level</a:t>
+            </a:r>
+          </a:p>
+          <a:p>
+            <a:pPr lvl="2"/>
+            <a:r>
+              <a:rPr lang="en-US"/>
+              <a:t>Third level</a:t>
+            </a:r>
+          </a:p>
+          <a:p>
+            <a:pPr lvl="3"/>
+            <a:r>
+              <a:rPr lang="en-US"/>
+              <a:t>Fourth level</a:t>
+            </a:r>
+          </a:p>
+          <a:p>
+            <a:pPr lvl="4"/>
+            <a:r>
+              <a:rPr lang="en-US"/>
+              <a:t>Fifth level</a:t>
+            </a:r>
+          </a:p>
+        </p:txBody>
+      </p:sp>
+      <p:sp>
+        <p:nvSpPr>
+          <p:cNvPr id="6" name="Footer Placeholder 5"/>
+          <p:cNvSpPr>
+            <a:spLocks noGrp="1"/>
+          </p:cNvSpPr>
+          <p:nvPr>
+            <p:ph type="ftr" sz="quarter" idx="4"/>
+          </p:nvPr>
+        </p:nvSpPr>
+        <p:spPr>
+          <a:xfrm>
+            <a:off x="0" y="8685213"/>
+            <a:ext cx="2971800" cy="458787"/>
+          </a:xfrm>
+          <a:prstGeom prst="rect">
+            <a:avLst/>
+          </a:prstGeom>
+        </p:spPr>
+        <p:txBody>
+          <a:bodyPr vert="horz" lIns="91440" tIns="45720" rIns="91440" bIns="45720" rtlCol="0" anchor="b"/>
+          <a:lstStyle>
+            <a:lvl1pPr algn="l">
+              <a:defRPr sz="1200"/>
+            </a:lvl1pPr>
+          </a:lstStyle>
+          <a:p>
+            <a:endParaRPr lang="en-US"/>
+          </a:p>
+        </p:txBody>
+      </p:sp>
+      <p:sp>
+        <p:nvSpPr>
+          <p:cNvPr id="7" name="Slide Number Placeholder 6"/>
+          <p:cNvSpPr>
+            <a:spLocks noGrp="1"/>
+          </p:cNvSpPr>
+          <p:nvPr>
+            <p:ph type="sldNum" sz="quarter" idx="5"/>
+          </p:nvPr>
+        </p:nvSpPr>
+        <p:spPr>
+          <a:xfrm>
+            <a:off x="3884613" y="8685213"/>
+            <a:ext cx="2971800" cy="458787"/>
+          </a:xfrm>
+          <a:prstGeom prst="rect">
+            <a:avLst/>
+          </a:prstGeom>
+        </p:spPr>
+        <p:txBody>
+          <a:bodyPr vert="horz" lIns="91440" tIns="45720" rIns="91440" bIns="45720" rtlCol="0" anchor="b"/>
+          <a:lstStyle>
+            <a:lvl1pPr algn="r">
+              <a:defRPr sz="1200"/>
+            </a:lvl1pPr>
+          </a:lstStyle>
+          <a:p>
+            <a:fld id="{AE585894-D30D-42EB-9150-3284AD23AEAF}" type="slidenum">
+              <a:rPr lang="en-US" smtClean="0"/>
+              <a:t>‹#›</a:t>
+            </a:fld>
+            <a:endParaRPr lang="en-US"/>
+          </a:p>
+        </p:txBody>
+      </p:sp>
+    </p:spTree>
+    <p:extLst>
+      <p:ext uri="{BB962C8B-B14F-4D97-AF65-F5344CB8AC3E}">
+        <p14:creationId xmlns:p14="http://schemas.microsoft.com/office/powerpoint/2010/main" val="3486583619"/>
+      </p:ext>
+    </p:extLst>
+  </p:cSld>
+  <p:clrMap bg1="lt1" tx1="dk1" bg2="lt2" tx2="dk2" accent1="accent1" accent2="accent2" accent3="accent3" accent4="accent4" accent5="accent5" accent6="accent6" hlink="hlink" folHlink="folHlink"/>
+  <p:notesStyle>
+    <a:lvl1pPr marL="0" algn="l" defTabSz="914400" rtl="0" eaLnBrk="1" latinLnBrk="0" hangingPunct="1">
+      <a:defRPr sz="1200" kern="1200">
+        <a:solidFill>
+          <a:schemeClr val="tx1"/>
+        </a:solidFill>
+        <a:latin typeface="+mn-lt"/>
+        <a:ea typeface="+mn-ea"/>
+        <a:cs typeface="+mn-cs"/>
+      </a:defRPr>
+    </a:lvl1pPr>
+    <a:lvl2pPr marL="457200" algn="l" defTabSz="914400" rtl="0" eaLnBrk="1" latinLnBrk="0" hangingPunct="1">
+      <a:defRPr sz="1200" kern="1200">
+        <a:solidFill>
+          <a:schemeClr val="tx1"/>
+        </a:solidFill>
+        <a:latin typeface="+mn-lt"/>
+        <a:ea typeface="+mn-ea"/>
+        <a:cs typeface="+mn-cs"/>
+      </a:defRPr>
+    </a:lvl2pPr>
+    <a:lvl3pPr marL="914400" algn="l" defTabSz="914400" rtl="0" eaLnBrk="1" latinLnBrk="0" hangingPunct="1">
+      <a:defRPr sz="1200" kern="1200">
+        <a:solidFill>
+          <a:schemeClr val="tx1"/>
+        </a:solidFill>
+        <a:latin typeface="+mn-lt"/>
+        <a:ea typeface="+mn-ea"/>
+        <a:cs typeface="+mn-cs"/>
+      </a:defRPr>
+    </a:lvl3pPr>
+    <a:lvl4pPr marL="1371600" algn="l" defTabSz="914400" rtl="0" eaLnBrk="1" latinLnBrk="0" hangingPunct="1">
+      <a:defRPr sz="1200" kern="1200">
+        <a:solidFill>
+          <a:schemeClr val="tx1"/>
+        </a:solidFill>
+        <a:latin typeface="+mn-lt"/>
+        <a:ea typeface="+mn-ea"/>
+        <a:cs typeface="+mn-cs"/>
+      </a:defRPr>
+    </a:lvl4pPr>
+    <a:lvl5pPr marL="1828800" algn="l" defTabSz="914400" rtl="0" eaLnBrk="1" latinLnBrk="0" hangingPunct="1">
+      <a:defRPr sz="1200" kern="1200">
+        <a:solidFill>
+          <a:schemeClr val="tx1"/>
+        </a:solidFill>
+        <a:latin typeface="+mn-lt"/>
+        <a:ea typeface="+mn-ea"/>
+        <a:cs typeface="+mn-cs"/>
+      </a:defRPr>
+    </a:lvl5pPr>
+    <a:lvl6pPr marL="2286000" algn="l" defTabSz="914400" rtl="0" eaLnBrk="1" latinLnBrk="0" hangingPunct="1">
+      <a:defRPr sz="1200" kern="1200">
+        <a:solidFill>
+          <a:schemeClr val="tx1"/>
+        </a:solidFill>
+        <a:latin typeface="+mn-lt"/>
+        <a:ea typeface="+mn-ea"/>
+        <a:cs typeface="+mn-cs"/>
+      </a:defRPr>
+    </a:lvl6pPr>
+    <a:lvl7pPr marL="2743200" algn="l" defTabSz="914400" rtl="0" eaLnBrk="1" latinLnBrk="0" hangingPunct="1">
+      <a:defRPr sz="1200" kern="1200">
+        <a:solidFill>
+          <a:schemeClr val="tx1"/>
+        </a:solidFill>
+        <a:latin typeface="+mn-lt"/>
+        <a:ea typeface="+mn-ea"/>
+        <a:cs typeface="+mn-cs"/>
+      </a:defRPr>
+    </a:lvl7pPr>
+    <a:lvl8pPr marL="3200400" algn="l" defTabSz="914400" rtl="0" eaLnBrk="1" latinLnBrk="0" hangingPunct="1">
+      <a:defRPr sz="1200" kern="1200">
+        <a:solidFill>
+          <a:schemeClr val="tx1"/>
+        </a:solidFill>
+        <a:latin typeface="+mn-lt"/>
+        <a:ea typeface="+mn-ea"/>
+        <a:cs typeface="+mn-cs"/>
+      </a:defRPr>
+    </a:lvl8pPr>
+    <a:lvl9pPr marL="3657600" algn="l" defTabSz="914400" rtl="0" eaLnBrk="1" latinLnBrk="0" hangingPunct="1">
+      <a:defRPr sz="1200" kern="1200">
+        <a:solidFill>
+          <a:schemeClr val="tx1"/>
+        </a:solidFill>
+        <a:latin typeface="+mn-lt"/>
+        <a:ea typeface="+mn-ea"/>
+        <a:cs typeface="+mn-cs"/>
+      </a:defRPr>
+    </a:lvl9pPr>
+  </p:notesStyle>
+</p:notesMaster>
+</file>
+
+<file path=ppt/notesSlides/notesSlide1.xml><?xml version="1.0" encoding="utf-8"?>
+<p:notes xmlns:a="http://schemas.openxmlformats.org/drawingml/2006/main" xmlns:r="http://schemas.openxmlformats.org/officeDocument/2006/relationships" xmlns:p="http://schemas.openxmlformats.org/presentationml/2006/main">
+  <p:cSld>
+    <p:spTree>
+      <p:nvGrpSpPr>
+        <p:cNvPr id="1" name=""/>
+        <p:cNvGrpSpPr/>
+        <p:nvPr/>
+      </p:nvGrpSpPr>
+      <p:grpSpPr>
+        <a:xfrm>
+          <a:off x="0" y="0"/>
+          <a:ext cx="0" cy="0"/>
+          <a:chOff x="0" y="0"/>
+          <a:chExt cx="0" cy="0"/>
+        </a:xfrm>
+      </p:grpSpPr>
+      <p:sp>
+        <p:nvSpPr>
+          <p:cNvPr id="2" name="Slide Image Placeholder 1"/>
+          <p:cNvSpPr>
+            <a:spLocks noGrp="1" noRot="1" noChangeAspect="1"/>
+          </p:cNvSpPr>
+          <p:nvPr>
+            <p:ph type="sldImg"/>
+          </p:nvPr>
+        </p:nvSpPr>
+        <p:spPr/>
+      </p:sp>
+      <p:sp>
+        <p:nvSpPr>
+          <p:cNvPr id="3" name="Notes Placeholder 2"/>
+          <p:cNvSpPr>
+            <a:spLocks noGrp="1"/>
+          </p:cNvSpPr>
+          <p:nvPr>
+            <p:ph type="body" idx="1"/>
+          </p:nvPr>
+        </p:nvSpPr>
+        <p:spPr/>
+        <p:txBody>
+          <a:bodyPr/>
+          <a:lstStyle/>
+          <a:p>
+            <a:endParaRPr lang="en-US" dirty="0"/>
+          </a:p>
+        </p:txBody>
+      </p:sp>
+      <p:sp>
+        <p:nvSpPr>
+          <p:cNvPr id="4" name="Slide Number Placeholder 3"/>
+          <p:cNvSpPr>
+            <a:spLocks noGrp="1"/>
+          </p:cNvSpPr>
+          <p:nvPr>
+            <p:ph type="sldNum" sz="quarter" idx="5"/>
+          </p:nvPr>
+        </p:nvSpPr>
+        <p:spPr/>
+        <p:txBody>
+          <a:bodyPr/>
+          <a:lstStyle/>
+          <a:p>
+            <a:fld id="{AE585894-D30D-42EB-9150-3284AD23AEAF}" type="slidenum">
+              <a:rPr lang="en-US" smtClean="0"/>
+              <a:t>20</a:t>
+            </a:fld>
+            <a:endParaRPr lang="en-US"/>
+          </a:p>
+        </p:txBody>
+      </p:sp>
+    </p:spTree>
+    <p:extLst>
+      <p:ext uri="{BB962C8B-B14F-4D97-AF65-F5344CB8AC3E}">
+        <p14:creationId xmlns:p14="http://schemas.microsoft.com/office/powerpoint/2010/main" val="859791074"/>
+      </p:ext>
+    </p:extLst>
+  </p:cSld>
+  <p:clrMapOvr>
+    <a:masterClrMapping/>
+  </p:clrMapOvr>
+</p:notes>
 </file>
 
 <file path=ppt/slideLayouts/slideLayout1.xml><?xml version="1.0" encoding="utf-8"?>
@@ -376,7 +837,7 @@
           <a:p>
             <a:fld id="{ED291B17-9318-49DB-B28B-6E5994AE9581}" type="datetime1">
               <a:rPr lang="en-US" smtClean="0"/>
-              <a:t>12/3/2019</a:t>
+              <a:t>12/6/2019</a:t>
             </a:fld>
             <a:endParaRPr lang="en-US" dirty="0"/>
           </a:p>
@@ -579,7 +1040,7 @@
           <a:p>
             <a:fld id="{2CED4963-E985-44C4-B8C4-FDD613B7C2F8}" type="datetime1">
               <a:rPr lang="en-US" smtClean="0"/>
-              <a:t>12/3/2019</a:t>
+              <a:t>12/6/2019</a:t>
             </a:fld>
             <a:endParaRPr lang="en-US" dirty="0"/>
           </a:p>
@@ -941,7 +1402,7 @@
           <a:p>
             <a:fld id="{ED291B17-9318-49DB-B28B-6E5994AE9581}" type="datetime1">
               <a:rPr lang="en-US" smtClean="0"/>
-              <a:t>12/3/2019</a:t>
+              <a:t>12/6/2019</a:t>
             </a:fld>
             <a:endParaRPr lang="en-US" dirty="0"/>
           </a:p>
@@ -1139,7 +1600,7 @@
           <a:p>
             <a:fld id="{78DD82B9-B8EE-4375-B6FF-88FA6ABB15D9}" type="datetime1">
               <a:rPr lang="en-US" smtClean="0"/>
-              <a:t>12/3/2019</a:t>
+              <a:t>12/6/2019</a:t>
             </a:fld>
             <a:endParaRPr lang="en-US" dirty="0"/>
           </a:p>
@@ -1451,7 +1912,7 @@
           <a:p>
             <a:fld id="{B2497495-0637-405E-AE64-5CC7506D51F5}" type="datetime1">
               <a:rPr lang="en-US" smtClean="0"/>
-              <a:t>12/3/2019</a:t>
+              <a:t>12/6/2019</a:t>
             </a:fld>
             <a:endParaRPr lang="en-US" dirty="0"/>
           </a:p>
@@ -1704,7 +2165,7 @@
           <a:p>
             <a:fld id="{7BFFD690-9426-415D-8B65-26881E07B2D4}" type="datetime1">
               <a:rPr lang="en-US" smtClean="0"/>
-              <a:t>12/3/2019</a:t>
+              <a:t>12/6/2019</a:t>
             </a:fld>
             <a:endParaRPr lang="en-US" dirty="0"/>
           </a:p>
@@ -2126,7 +2587,7 @@
           <a:p>
             <a:fld id="{04C4989A-474C-40DE-95B9-011C28B71673}" type="datetime1">
               <a:rPr lang="en-US" smtClean="0"/>
-              <a:t>12/3/2019</a:t>
+              <a:t>12/6/2019</a:t>
             </a:fld>
             <a:endParaRPr lang="en-US" dirty="0"/>
           </a:p>
@@ -2249,7 +2710,7 @@
           <a:p>
             <a:fld id="{5DB4ED54-5B5E-4A04-93D3-5772E3CE3818}" type="datetime1">
               <a:rPr lang="en-US" smtClean="0"/>
-              <a:t>12/3/2019</a:t>
+              <a:t>12/6/2019</a:t>
             </a:fld>
             <a:endParaRPr lang="en-US" dirty="0"/>
           </a:p>
@@ -2344,7 +2805,7 @@
           <a:p>
             <a:fld id="{4EDE50D6-574B-40AF-946F-D52A04ADE379}" type="datetime1">
               <a:rPr lang="en-US" smtClean="0"/>
-              <a:t>12/3/2019</a:t>
+              <a:t>12/6/2019</a:t>
             </a:fld>
             <a:endParaRPr lang="en-US" dirty="0"/>
           </a:p>
@@ -2721,7 +3182,7 @@
           <a:p>
             <a:fld id="{D82884F1-FFEA-405F-9602-3DCA865EDA4E}" type="datetime1">
               <a:rPr lang="en-US" smtClean="0"/>
-              <a:t>12/3/2019</a:t>
+              <a:t>12/6/2019</a:t>
             </a:fld>
             <a:endParaRPr lang="en-US" dirty="0"/>
           </a:p>
@@ -3014,7 +3475,7 @@
           <a:p>
             <a:fld id="{7E18DB4A-8810-4A10-AD5C-D5E2C667F5B3}" type="datetime1">
               <a:rPr lang="en-US" smtClean="0"/>
-              <a:t>12/3/2019</a:t>
+              <a:t>12/6/2019</a:t>
             </a:fld>
             <a:endParaRPr lang="en-US" dirty="0"/>
           </a:p>
@@ -3229,7 +3690,7 @@
           <a:p>
             <a:fld id="{ED291B17-9318-49DB-B28B-6E5994AE9581}" type="datetime1">
               <a:rPr lang="en-US" smtClean="0"/>
-              <a:t>12/3/2019</a:t>
+              <a:t>12/6/2019</a:t>
             </a:fld>
             <a:endParaRPr lang="en-US" dirty="0"/>
           </a:p>
@@ -4158,6 +4619,1065 @@
 </p:sld>
 </file>
 
+<file path=ppt/slides/slide10.xml><?xml version="1.0" encoding="utf-8"?>
+<p:sld xmlns:a="http://schemas.openxmlformats.org/drawingml/2006/main" xmlns:r="http://schemas.openxmlformats.org/officeDocument/2006/relationships" xmlns:p="http://schemas.openxmlformats.org/presentationml/2006/main">
+  <p:cSld>
+    <p:spTree>
+      <p:nvGrpSpPr>
+        <p:cNvPr id="1" name=""/>
+        <p:cNvGrpSpPr/>
+        <p:nvPr/>
+      </p:nvGrpSpPr>
+      <p:grpSpPr>
+        <a:xfrm>
+          <a:off x="0" y="0"/>
+          <a:ext cx="0" cy="0"/>
+          <a:chOff x="0" y="0"/>
+          <a:chExt cx="0" cy="0"/>
+        </a:xfrm>
+      </p:grpSpPr>
+      <p:sp>
+        <p:nvSpPr>
+          <p:cNvPr id="2" name="Title 1">
+            <a:extLst>
+              <a:ext uri="{FF2B5EF4-FFF2-40B4-BE49-F238E27FC236}">
+                <a16:creationId xmlns:a16="http://schemas.microsoft.com/office/drawing/2014/main" id="{A45E4D38-9D59-4863-A0A6-2B2CC49DB658}"/>
+              </a:ext>
+            </a:extLst>
+          </p:cNvPr>
+          <p:cNvSpPr>
+            <a:spLocks noGrp="1"/>
+          </p:cNvSpPr>
+          <p:nvPr>
+            <p:ph type="title"/>
+          </p:nvPr>
+        </p:nvSpPr>
+        <p:spPr/>
+        <p:txBody>
+          <a:bodyPr/>
+          <a:lstStyle/>
+          <a:p>
+            <a:r>
+              <a:rPr lang="en-US" dirty="0"/>
+              <a:t>Digital signature </a:t>
+            </a:r>
+          </a:p>
+        </p:txBody>
+      </p:sp>
+      <p:sp>
+        <p:nvSpPr>
+          <p:cNvPr id="3" name="Content Placeholder 2">
+            <a:extLst>
+              <a:ext uri="{FF2B5EF4-FFF2-40B4-BE49-F238E27FC236}">
+                <a16:creationId xmlns:a16="http://schemas.microsoft.com/office/drawing/2014/main" id="{CD616EA7-39B4-45BF-BB5B-5DD87887B361}"/>
+              </a:ext>
+            </a:extLst>
+          </p:cNvPr>
+          <p:cNvSpPr>
+            <a:spLocks noGrp="1"/>
+          </p:cNvSpPr>
+          <p:nvPr>
+            <p:ph idx="1"/>
+          </p:nvPr>
+        </p:nvSpPr>
+        <p:spPr/>
+        <p:txBody>
+          <a:bodyPr/>
+          <a:lstStyle/>
+          <a:p>
+            <a:r>
+              <a:rPr lang="en-US" dirty="0"/>
+              <a:t>Key generator </a:t>
+            </a:r>
+            <a:r>
+              <a:rPr lang="en-US" dirty="0">
+                <a:solidFill>
+                  <a:schemeClr val="bg2">
+                    <a:lumMod val="75000"/>
+                  </a:schemeClr>
+                </a:solidFill>
+              </a:rPr>
+              <a:t>algorithm generates a private key. Afterwards it generates the public key based on it.</a:t>
+            </a:r>
+          </a:p>
+          <a:p>
+            <a:r>
+              <a:rPr lang="en-US" dirty="0"/>
+              <a:t>Signature algorithm</a:t>
+            </a:r>
+            <a:r>
+              <a:rPr lang="en-US" dirty="0">
+                <a:solidFill>
+                  <a:schemeClr val="bg2">
+                    <a:lumMod val="75000"/>
+                  </a:schemeClr>
+                </a:solidFill>
+              </a:rPr>
+              <a:t>: given the private key + data the algorithm generates a signature </a:t>
+            </a:r>
+          </a:p>
+          <a:p>
+            <a:r>
+              <a:rPr lang="en-US" dirty="0"/>
+              <a:t>Verification algorithm	</a:t>
+            </a:r>
+          </a:p>
+        </p:txBody>
+      </p:sp>
+    </p:spTree>
+    <p:extLst>
+      <p:ext uri="{BB962C8B-B14F-4D97-AF65-F5344CB8AC3E}">
+        <p14:creationId xmlns:p14="http://schemas.microsoft.com/office/powerpoint/2010/main" val="1302663231"/>
+      </p:ext>
+    </p:extLst>
+  </p:cSld>
+  <p:clrMapOvr>
+    <a:masterClrMapping/>
+  </p:clrMapOvr>
+</p:sld>
+</file>
+
+<file path=ppt/slides/slide11.xml><?xml version="1.0" encoding="utf-8"?>
+<p:sld xmlns:a="http://schemas.openxmlformats.org/drawingml/2006/main" xmlns:r="http://schemas.openxmlformats.org/officeDocument/2006/relationships" xmlns:p="http://schemas.openxmlformats.org/presentationml/2006/main">
+  <p:cSld>
+    <p:spTree>
+      <p:nvGrpSpPr>
+        <p:cNvPr id="1" name=""/>
+        <p:cNvGrpSpPr/>
+        <p:nvPr/>
+      </p:nvGrpSpPr>
+      <p:grpSpPr>
+        <a:xfrm>
+          <a:off x="0" y="0"/>
+          <a:ext cx="0" cy="0"/>
+          <a:chOff x="0" y="0"/>
+          <a:chExt cx="0" cy="0"/>
+        </a:xfrm>
+      </p:grpSpPr>
+      <p:sp>
+        <p:nvSpPr>
+          <p:cNvPr id="2" name="Title 1">
+            <a:extLst>
+              <a:ext uri="{FF2B5EF4-FFF2-40B4-BE49-F238E27FC236}">
+                <a16:creationId xmlns:a16="http://schemas.microsoft.com/office/drawing/2014/main" id="{E17E68CE-489A-4C72-990F-738E148F39A7}"/>
+              </a:ext>
+            </a:extLst>
+          </p:cNvPr>
+          <p:cNvSpPr>
+            <a:spLocks noGrp="1"/>
+          </p:cNvSpPr>
+          <p:nvPr>
+            <p:ph type="title"/>
+          </p:nvPr>
+        </p:nvSpPr>
+        <p:spPr/>
+        <p:txBody>
+          <a:bodyPr/>
+          <a:lstStyle/>
+          <a:p>
+            <a:r>
+              <a:rPr lang="en-US" dirty="0"/>
+              <a:t>Who does verify transactions?</a:t>
+            </a:r>
+          </a:p>
+        </p:txBody>
+      </p:sp>
+      <p:sp>
+        <p:nvSpPr>
+          <p:cNvPr id="3" name="Content Placeholder 2">
+            <a:extLst>
+              <a:ext uri="{FF2B5EF4-FFF2-40B4-BE49-F238E27FC236}">
+                <a16:creationId xmlns:a16="http://schemas.microsoft.com/office/drawing/2014/main" id="{FDDB9657-1524-4EB2-8FBD-3DDB06EAB53A}"/>
+              </a:ext>
+            </a:extLst>
+          </p:cNvPr>
+          <p:cNvSpPr>
+            <a:spLocks noGrp="1"/>
+          </p:cNvSpPr>
+          <p:nvPr>
+            <p:ph idx="1"/>
+          </p:nvPr>
+        </p:nvSpPr>
+        <p:spPr/>
+        <p:txBody>
+          <a:bodyPr/>
+          <a:lstStyle/>
+          <a:p>
+            <a:r>
+              <a:rPr lang="en-US" dirty="0"/>
+              <a:t>Verification is neither through a central authorization nor majority vote</a:t>
+            </a:r>
+          </a:p>
+          <a:p>
+            <a:r>
+              <a:rPr lang="en-US" dirty="0"/>
+              <a:t>Verification is …</a:t>
+            </a:r>
+          </a:p>
+        </p:txBody>
+      </p:sp>
+    </p:spTree>
+    <p:extLst>
+      <p:ext uri="{BB962C8B-B14F-4D97-AF65-F5344CB8AC3E}">
+        <p14:creationId xmlns:p14="http://schemas.microsoft.com/office/powerpoint/2010/main" val="2185235310"/>
+      </p:ext>
+    </p:extLst>
+  </p:cSld>
+  <p:clrMapOvr>
+    <a:masterClrMapping/>
+  </p:clrMapOvr>
+</p:sld>
+</file>
+
+<file path=ppt/slides/slide12.xml><?xml version="1.0" encoding="utf-8"?>
+<p:sld xmlns:a="http://schemas.openxmlformats.org/drawingml/2006/main" xmlns:r="http://schemas.openxmlformats.org/officeDocument/2006/relationships" xmlns:p="http://schemas.openxmlformats.org/presentationml/2006/main">
+  <p:cSld>
+    <p:spTree>
+      <p:nvGrpSpPr>
+        <p:cNvPr id="1" name=""/>
+        <p:cNvGrpSpPr/>
+        <p:nvPr/>
+      </p:nvGrpSpPr>
+      <p:grpSpPr>
+        <a:xfrm>
+          <a:off x="0" y="0"/>
+          <a:ext cx="0" cy="0"/>
+          <a:chOff x="0" y="0"/>
+          <a:chExt cx="0" cy="0"/>
+        </a:xfrm>
+      </p:grpSpPr>
+      <p:sp>
+        <p:nvSpPr>
+          <p:cNvPr id="2" name="Title 1">
+            <a:extLst>
+              <a:ext uri="{FF2B5EF4-FFF2-40B4-BE49-F238E27FC236}">
+                <a16:creationId xmlns:a16="http://schemas.microsoft.com/office/drawing/2014/main" id="{B2DAB8A4-B43A-4E3C-A54A-C106D914C105}"/>
+              </a:ext>
+            </a:extLst>
+          </p:cNvPr>
+          <p:cNvSpPr>
+            <a:spLocks noGrp="1"/>
+          </p:cNvSpPr>
+          <p:nvPr>
+            <p:ph type="title"/>
+          </p:nvPr>
+        </p:nvSpPr>
+        <p:spPr/>
+        <p:txBody>
+          <a:bodyPr/>
+          <a:lstStyle/>
+          <a:p>
+            <a:r>
+              <a:rPr lang="en-US" dirty="0"/>
+              <a:t>Communication in bitcoin</a:t>
+            </a:r>
+          </a:p>
+        </p:txBody>
+      </p:sp>
+      <p:sp>
+        <p:nvSpPr>
+          <p:cNvPr id="3" name="Content Placeholder 2">
+            <a:extLst>
+              <a:ext uri="{FF2B5EF4-FFF2-40B4-BE49-F238E27FC236}">
+                <a16:creationId xmlns:a16="http://schemas.microsoft.com/office/drawing/2014/main" id="{A5A34E56-33EF-4C37-80BD-40D47DEEBAB8}"/>
+              </a:ext>
+            </a:extLst>
+          </p:cNvPr>
+          <p:cNvSpPr>
+            <a:spLocks noGrp="1"/>
+          </p:cNvSpPr>
+          <p:nvPr>
+            <p:ph idx="1"/>
+          </p:nvPr>
+        </p:nvSpPr>
+        <p:spPr/>
+        <p:txBody>
+          <a:bodyPr/>
+          <a:lstStyle/>
+          <a:p>
+            <a:r>
+              <a:rPr lang="en-US" dirty="0"/>
+              <a:t>New transactions are broadcast to all nodes</a:t>
+            </a:r>
+          </a:p>
+          <a:p>
+            <a:r>
+              <a:rPr lang="en-US" dirty="0"/>
+              <a:t>Each node collects new transactions into a block.</a:t>
+            </a:r>
+          </a:p>
+          <a:p>
+            <a:r>
+              <a:rPr lang="en-US" dirty="0"/>
+              <a:t>Each node works on finding a difficult proof-of-work for its block.</a:t>
+            </a:r>
+          </a:p>
+          <a:p>
+            <a:r>
+              <a:rPr lang="en-US" dirty="0"/>
+              <a:t>When a node finds a proof-of-work, it broadcasts the block to all nodes.</a:t>
+            </a:r>
+          </a:p>
+          <a:p>
+            <a:r>
+              <a:rPr lang="en-US" dirty="0"/>
+              <a:t>Nodes accept the block only if all transactions in it are valid and not already spent.</a:t>
+            </a:r>
+          </a:p>
+          <a:p>
+            <a:r>
+              <a:rPr lang="en-US" dirty="0"/>
+              <a:t>Nodes express their acceptance of the block by working on creating the next block in the chain, using the hash of the accepted block as the previous hash.</a:t>
+            </a:r>
+          </a:p>
+          <a:p>
+            <a:endParaRPr lang="en-US" dirty="0"/>
+          </a:p>
+        </p:txBody>
+      </p:sp>
+    </p:spTree>
+    <p:extLst>
+      <p:ext uri="{BB962C8B-B14F-4D97-AF65-F5344CB8AC3E}">
+        <p14:creationId xmlns:p14="http://schemas.microsoft.com/office/powerpoint/2010/main" val="3182932395"/>
+      </p:ext>
+    </p:extLst>
+  </p:cSld>
+  <p:clrMapOvr>
+    <a:masterClrMapping/>
+  </p:clrMapOvr>
+</p:sld>
+</file>
+
+<file path=ppt/slides/slide13.xml><?xml version="1.0" encoding="utf-8"?>
+<p:sld xmlns:a="http://schemas.openxmlformats.org/drawingml/2006/main" xmlns:r="http://schemas.openxmlformats.org/officeDocument/2006/relationships" xmlns:p="http://schemas.openxmlformats.org/presentationml/2006/main">
+  <p:cSld>
+    <p:spTree>
+      <p:nvGrpSpPr>
+        <p:cNvPr id="1" name=""/>
+        <p:cNvGrpSpPr/>
+        <p:nvPr/>
+      </p:nvGrpSpPr>
+      <p:grpSpPr>
+        <a:xfrm>
+          <a:off x="0" y="0"/>
+          <a:ext cx="0" cy="0"/>
+          <a:chOff x="0" y="0"/>
+          <a:chExt cx="0" cy="0"/>
+        </a:xfrm>
+      </p:grpSpPr>
+      <p:sp>
+        <p:nvSpPr>
+          <p:cNvPr id="2" name="Title 1">
+            <a:extLst>
+              <a:ext uri="{FF2B5EF4-FFF2-40B4-BE49-F238E27FC236}">
+                <a16:creationId xmlns:a16="http://schemas.microsoft.com/office/drawing/2014/main" id="{02B20ACD-E0FF-486A-82AE-29E0CA20D9C2}"/>
+              </a:ext>
+            </a:extLst>
+          </p:cNvPr>
+          <p:cNvSpPr>
+            <a:spLocks noGrp="1"/>
+          </p:cNvSpPr>
+          <p:nvPr>
+            <p:ph type="title"/>
+          </p:nvPr>
+        </p:nvSpPr>
+        <p:spPr/>
+        <p:txBody>
+          <a:bodyPr/>
+          <a:lstStyle/>
+          <a:p>
+            <a:r>
+              <a:rPr lang="en-US" dirty="0"/>
+              <a:t>Mining </a:t>
+            </a:r>
+          </a:p>
+        </p:txBody>
+      </p:sp>
+      <p:sp>
+        <p:nvSpPr>
+          <p:cNvPr id="3" name="Content Placeholder 2">
+            <a:extLst>
+              <a:ext uri="{FF2B5EF4-FFF2-40B4-BE49-F238E27FC236}">
+                <a16:creationId xmlns:a16="http://schemas.microsoft.com/office/drawing/2014/main" id="{567453A4-7FDA-4138-90B4-D4B4B3A692F9}"/>
+              </a:ext>
+            </a:extLst>
+          </p:cNvPr>
+          <p:cNvSpPr>
+            <a:spLocks noGrp="1"/>
+          </p:cNvSpPr>
+          <p:nvPr>
+            <p:ph idx="1"/>
+          </p:nvPr>
+        </p:nvSpPr>
+        <p:spPr/>
+        <p:txBody>
+          <a:bodyPr/>
+          <a:lstStyle/>
+          <a:p>
+            <a:r>
+              <a:rPr lang="en-US" dirty="0"/>
+              <a:t>What is mining? </a:t>
+            </a:r>
+          </a:p>
+          <a:p>
+            <a:r>
+              <a:rPr lang="en-US" dirty="0"/>
+              <a:t>What is mining pool?</a:t>
+            </a:r>
+          </a:p>
+          <a:p>
+            <a:r>
+              <a:rPr lang="en-US" dirty="0"/>
+              <a:t>What is the motivation to mine? (incentives)</a:t>
+            </a:r>
+          </a:p>
+          <a:p>
+            <a:r>
+              <a:rPr lang="en-US" dirty="0"/>
+              <a:t>How does the puzzle difficulty change?</a:t>
+            </a:r>
+          </a:p>
+        </p:txBody>
+      </p:sp>
+    </p:spTree>
+    <p:extLst>
+      <p:ext uri="{BB962C8B-B14F-4D97-AF65-F5344CB8AC3E}">
+        <p14:creationId xmlns:p14="http://schemas.microsoft.com/office/powerpoint/2010/main" val="720001913"/>
+      </p:ext>
+    </p:extLst>
+  </p:cSld>
+  <p:clrMapOvr>
+    <a:masterClrMapping/>
+  </p:clrMapOvr>
+</p:sld>
+</file>
+
+<file path=ppt/slides/slide14.xml><?xml version="1.0" encoding="utf-8"?>
+<p:sld xmlns:a="http://schemas.openxmlformats.org/drawingml/2006/main" xmlns:r="http://schemas.openxmlformats.org/officeDocument/2006/relationships" xmlns:p="http://schemas.openxmlformats.org/presentationml/2006/main">
+  <p:cSld>
+    <p:spTree>
+      <p:nvGrpSpPr>
+        <p:cNvPr id="1" name=""/>
+        <p:cNvGrpSpPr/>
+        <p:nvPr/>
+      </p:nvGrpSpPr>
+      <p:grpSpPr>
+        <a:xfrm>
+          <a:off x="0" y="0"/>
+          <a:ext cx="0" cy="0"/>
+          <a:chOff x="0" y="0"/>
+          <a:chExt cx="0" cy="0"/>
+        </a:xfrm>
+      </p:grpSpPr>
+      <p:sp>
+        <p:nvSpPr>
+          <p:cNvPr id="2" name="Title 1">
+            <a:extLst>
+              <a:ext uri="{FF2B5EF4-FFF2-40B4-BE49-F238E27FC236}">
+                <a16:creationId xmlns:a16="http://schemas.microsoft.com/office/drawing/2014/main" id="{9CB1EFAB-3825-48B1-9A3F-8E65C449B6B2}"/>
+              </a:ext>
+            </a:extLst>
+          </p:cNvPr>
+          <p:cNvSpPr>
+            <a:spLocks noGrp="1"/>
+          </p:cNvSpPr>
+          <p:nvPr>
+            <p:ph type="title"/>
+          </p:nvPr>
+        </p:nvSpPr>
+        <p:spPr/>
+        <p:txBody>
+          <a:bodyPr/>
+          <a:lstStyle/>
+          <a:p>
+            <a:endParaRPr lang="en-US"/>
+          </a:p>
+        </p:txBody>
+      </p:sp>
+      <p:pic>
+        <p:nvPicPr>
+          <p:cNvPr id="2050" name="Picture 2" descr="Related image">
+            <a:extLst>
+              <a:ext uri="{FF2B5EF4-FFF2-40B4-BE49-F238E27FC236}">
+                <a16:creationId xmlns:a16="http://schemas.microsoft.com/office/drawing/2014/main" id="{0B9478E0-1E95-4F78-AA1D-044E106C21AE}"/>
+              </a:ext>
+            </a:extLst>
+          </p:cNvPr>
+          <p:cNvPicPr>
+            <a:picLocks noGrp="1" noChangeAspect="1" noChangeArrowheads="1"/>
+          </p:cNvPicPr>
+          <p:nvPr>
+            <p:ph idx="1"/>
+          </p:nvPr>
+        </p:nvPicPr>
+        <p:blipFill>
+          <a:blip r:embed="rId2">
+            <a:extLst>
+              <a:ext uri="{28A0092B-C50C-407E-A947-70E740481C1C}">
+                <a14:useLocalDpi xmlns:a14="http://schemas.microsoft.com/office/drawing/2010/main" val="0"/>
+              </a:ext>
+            </a:extLst>
+          </a:blip>
+          <a:srcRect/>
+          <a:stretch>
+            <a:fillRect/>
+          </a:stretch>
+        </p:blipFill>
+        <p:spPr bwMode="auto">
+          <a:xfrm>
+            <a:off x="2865570" y="2341563"/>
+            <a:ext cx="6460859" cy="3633787"/>
+          </a:xfrm>
+          <a:prstGeom prst="rect">
+            <a:avLst/>
+          </a:prstGeom>
+          <a:noFill/>
+          <a:extLst>
+            <a:ext uri="{909E8E84-426E-40DD-AFC4-6F175D3DCCD1}">
+              <a14:hiddenFill xmlns:a14="http://schemas.microsoft.com/office/drawing/2010/main">
+                <a:solidFill>
+                  <a:srgbClr val="FFFFFF"/>
+                </a:solidFill>
+              </a14:hiddenFill>
+            </a:ext>
+          </a:extLst>
+        </p:spPr>
+      </p:pic>
+    </p:spTree>
+    <p:extLst>
+      <p:ext uri="{BB962C8B-B14F-4D97-AF65-F5344CB8AC3E}">
+        <p14:creationId xmlns:p14="http://schemas.microsoft.com/office/powerpoint/2010/main" val="3279313677"/>
+      </p:ext>
+    </p:extLst>
+  </p:cSld>
+  <p:clrMapOvr>
+    <a:masterClrMapping/>
+  </p:clrMapOvr>
+</p:sld>
+</file>
+
+<file path=ppt/slides/slide15.xml><?xml version="1.0" encoding="utf-8"?>
+<p:sld xmlns:a="http://schemas.openxmlformats.org/drawingml/2006/main" xmlns:r="http://schemas.openxmlformats.org/officeDocument/2006/relationships" xmlns:p="http://schemas.openxmlformats.org/presentationml/2006/main">
+  <p:cSld>
+    <p:spTree>
+      <p:nvGrpSpPr>
+        <p:cNvPr id="1" name=""/>
+        <p:cNvGrpSpPr/>
+        <p:nvPr/>
+      </p:nvGrpSpPr>
+      <p:grpSpPr>
+        <a:xfrm>
+          <a:off x="0" y="0"/>
+          <a:ext cx="0" cy="0"/>
+          <a:chOff x="0" y="0"/>
+          <a:chExt cx="0" cy="0"/>
+        </a:xfrm>
+      </p:grpSpPr>
+      <p:sp>
+        <p:nvSpPr>
+          <p:cNvPr id="2" name="Title 1">
+            <a:extLst>
+              <a:ext uri="{FF2B5EF4-FFF2-40B4-BE49-F238E27FC236}">
+                <a16:creationId xmlns:a16="http://schemas.microsoft.com/office/drawing/2014/main" id="{58ECE3A2-5281-43CA-B3FE-5273CDC02B6D}"/>
+              </a:ext>
+            </a:extLst>
+          </p:cNvPr>
+          <p:cNvSpPr>
+            <a:spLocks noGrp="1"/>
+          </p:cNvSpPr>
+          <p:nvPr>
+            <p:ph type="title"/>
+          </p:nvPr>
+        </p:nvSpPr>
+        <p:spPr/>
+        <p:txBody>
+          <a:bodyPr/>
+          <a:lstStyle/>
+          <a:p>
+            <a:r>
+              <a:rPr lang="en-US" dirty="0"/>
+              <a:t>fork</a:t>
+            </a:r>
+          </a:p>
+        </p:txBody>
+      </p:sp>
+      <p:sp>
+        <p:nvSpPr>
+          <p:cNvPr id="3" name="Content Placeholder 2">
+            <a:extLst>
+              <a:ext uri="{FF2B5EF4-FFF2-40B4-BE49-F238E27FC236}">
+                <a16:creationId xmlns:a16="http://schemas.microsoft.com/office/drawing/2014/main" id="{ED317789-8AC9-4924-92A9-43982ACB46D7}"/>
+              </a:ext>
+            </a:extLst>
+          </p:cNvPr>
+          <p:cNvSpPr>
+            <a:spLocks noGrp="1"/>
+          </p:cNvSpPr>
+          <p:nvPr>
+            <p:ph idx="1"/>
+          </p:nvPr>
+        </p:nvSpPr>
+        <p:spPr/>
+        <p:txBody>
+          <a:bodyPr/>
+          <a:lstStyle/>
+          <a:p>
+            <a:r>
+              <a:rPr lang="en-US" dirty="0"/>
+              <a:t>What to do when we get at least two blocks simultaneously? What block will be the last one?</a:t>
+            </a:r>
+            <a:endParaRPr lang="en-US" i="1" dirty="0"/>
+          </a:p>
+          <a:p>
+            <a:r>
+              <a:rPr lang="en-US" dirty="0"/>
+              <a:t>Those blocks point to the last block in the chain</a:t>
+            </a:r>
+          </a:p>
+          <a:p>
+            <a:endParaRPr lang="en-US" dirty="0"/>
+          </a:p>
+        </p:txBody>
+      </p:sp>
+    </p:spTree>
+    <p:extLst>
+      <p:ext uri="{BB962C8B-B14F-4D97-AF65-F5344CB8AC3E}">
+        <p14:creationId xmlns:p14="http://schemas.microsoft.com/office/powerpoint/2010/main" val="3831715540"/>
+      </p:ext>
+    </p:extLst>
+  </p:cSld>
+  <p:clrMapOvr>
+    <a:masterClrMapping/>
+  </p:clrMapOvr>
+</p:sld>
+</file>
+
+<file path=ppt/slides/slide16.xml><?xml version="1.0" encoding="utf-8"?>
+<p:sld xmlns:a="http://schemas.openxmlformats.org/drawingml/2006/main" xmlns:r="http://schemas.openxmlformats.org/officeDocument/2006/relationships" xmlns:p="http://schemas.openxmlformats.org/presentationml/2006/main">
+  <p:cSld>
+    <p:spTree>
+      <p:nvGrpSpPr>
+        <p:cNvPr id="1" name=""/>
+        <p:cNvGrpSpPr/>
+        <p:nvPr/>
+      </p:nvGrpSpPr>
+      <p:grpSpPr>
+        <a:xfrm>
+          <a:off x="0" y="0"/>
+          <a:ext cx="0" cy="0"/>
+          <a:chOff x="0" y="0"/>
+          <a:chExt cx="0" cy="0"/>
+        </a:xfrm>
+      </p:grpSpPr>
+      <p:sp>
+        <p:nvSpPr>
+          <p:cNvPr id="2" name="Title 1">
+            <a:extLst>
+              <a:ext uri="{FF2B5EF4-FFF2-40B4-BE49-F238E27FC236}">
+                <a16:creationId xmlns:a16="http://schemas.microsoft.com/office/drawing/2014/main" id="{EB4CCE17-851B-4902-8D0C-506B1AE15566}"/>
+              </a:ext>
+            </a:extLst>
+          </p:cNvPr>
+          <p:cNvSpPr>
+            <a:spLocks noGrp="1"/>
+          </p:cNvSpPr>
+          <p:nvPr>
+            <p:ph type="title"/>
+          </p:nvPr>
+        </p:nvSpPr>
+        <p:spPr/>
+        <p:txBody>
+          <a:bodyPr/>
+          <a:lstStyle/>
+          <a:p>
+            <a:r>
+              <a:rPr lang="en-US" dirty="0"/>
+              <a:t>FORK</a:t>
+            </a:r>
+          </a:p>
+        </p:txBody>
+      </p:sp>
+      <p:pic>
+        <p:nvPicPr>
+          <p:cNvPr id="4" name="Content Placeholder 3">
+            <a:extLst>
+              <a:ext uri="{FF2B5EF4-FFF2-40B4-BE49-F238E27FC236}">
+                <a16:creationId xmlns:a16="http://schemas.microsoft.com/office/drawing/2014/main" id="{E1744C8F-D552-4D7D-A4EE-65EE00A16B3F}"/>
+              </a:ext>
+            </a:extLst>
+          </p:cNvPr>
+          <p:cNvPicPr>
+            <a:picLocks noGrp="1" noChangeAspect="1"/>
+          </p:cNvPicPr>
+          <p:nvPr>
+            <p:ph idx="1"/>
+          </p:nvPr>
+        </p:nvPicPr>
+        <p:blipFill>
+          <a:blip r:embed="rId2"/>
+          <a:stretch>
+            <a:fillRect/>
+          </a:stretch>
+        </p:blipFill>
+        <p:spPr>
+          <a:xfrm>
+            <a:off x="794067" y="2717006"/>
+            <a:ext cx="9344025" cy="2476500"/>
+          </a:xfrm>
+          <a:prstGeom prst="rect">
+            <a:avLst/>
+          </a:prstGeom>
+        </p:spPr>
+      </p:pic>
+    </p:spTree>
+    <p:extLst>
+      <p:ext uri="{BB962C8B-B14F-4D97-AF65-F5344CB8AC3E}">
+        <p14:creationId xmlns:p14="http://schemas.microsoft.com/office/powerpoint/2010/main" val="4067882079"/>
+      </p:ext>
+    </p:extLst>
+  </p:cSld>
+  <p:clrMapOvr>
+    <a:masterClrMapping/>
+  </p:clrMapOvr>
+</p:sld>
+</file>
+
+<file path=ppt/slides/slide17.xml><?xml version="1.0" encoding="utf-8"?>
+<p:sld xmlns:a="http://schemas.openxmlformats.org/drawingml/2006/main" xmlns:r="http://schemas.openxmlformats.org/officeDocument/2006/relationships" xmlns:p="http://schemas.openxmlformats.org/presentationml/2006/main">
+  <p:cSld>
+    <p:spTree>
+      <p:nvGrpSpPr>
+        <p:cNvPr id="1" name=""/>
+        <p:cNvGrpSpPr/>
+        <p:nvPr/>
+      </p:nvGrpSpPr>
+      <p:grpSpPr>
+        <a:xfrm>
+          <a:off x="0" y="0"/>
+          <a:ext cx="0" cy="0"/>
+          <a:chOff x="0" y="0"/>
+          <a:chExt cx="0" cy="0"/>
+        </a:xfrm>
+      </p:grpSpPr>
+      <p:sp>
+        <p:nvSpPr>
+          <p:cNvPr id="2" name="Title 1">
+            <a:extLst>
+              <a:ext uri="{FF2B5EF4-FFF2-40B4-BE49-F238E27FC236}">
+                <a16:creationId xmlns:a16="http://schemas.microsoft.com/office/drawing/2014/main" id="{FACEF194-6395-43A6-A7DE-AC21BDFDCF13}"/>
+              </a:ext>
+            </a:extLst>
+          </p:cNvPr>
+          <p:cNvSpPr>
+            <a:spLocks noGrp="1"/>
+          </p:cNvSpPr>
+          <p:nvPr>
+            <p:ph type="title"/>
+          </p:nvPr>
+        </p:nvSpPr>
+        <p:spPr/>
+        <p:txBody>
+          <a:bodyPr/>
+          <a:lstStyle/>
+          <a:p>
+            <a:r>
+              <a:rPr lang="en-US" dirty="0"/>
+              <a:t>fork</a:t>
+            </a:r>
+          </a:p>
+        </p:txBody>
+      </p:sp>
+      <p:sp>
+        <p:nvSpPr>
+          <p:cNvPr id="3" name="Content Placeholder 2">
+            <a:extLst>
+              <a:ext uri="{FF2B5EF4-FFF2-40B4-BE49-F238E27FC236}">
+                <a16:creationId xmlns:a16="http://schemas.microsoft.com/office/drawing/2014/main" id="{5FBAC233-7CE4-422E-8837-5CFF30B541A8}"/>
+              </a:ext>
+            </a:extLst>
+          </p:cNvPr>
+          <p:cNvSpPr>
+            <a:spLocks noGrp="1"/>
+          </p:cNvSpPr>
+          <p:nvPr>
+            <p:ph idx="1"/>
+          </p:nvPr>
+        </p:nvSpPr>
+        <p:spPr/>
+        <p:txBody>
+          <a:bodyPr/>
+          <a:lstStyle/>
+          <a:p>
+            <a:endParaRPr lang="en-US" dirty="0"/>
+          </a:p>
+          <a:p>
+            <a:r>
+              <a:rPr lang="en-US" dirty="0"/>
+              <a:t>We will have to think of a way that will decide what block will be the last in the chain</a:t>
+            </a:r>
+          </a:p>
+          <a:p>
+            <a:r>
+              <a:rPr lang="en-US" dirty="0"/>
+              <a:t>- So others will know what transactions were approved.</a:t>
+            </a:r>
+          </a:p>
+          <a:p>
+            <a:r>
+              <a:rPr lang="en-US" dirty="0"/>
+              <a:t>- To know what branch to continue from.</a:t>
+            </a:r>
+          </a:p>
+          <a:p>
+            <a:r>
+              <a:rPr lang="en-US" dirty="0"/>
+              <a:t>The longest chain is the most preferred &amp; secured chain </a:t>
+            </a:r>
+          </a:p>
+          <a:p>
+            <a:r>
+              <a:rPr lang="en-US" dirty="0">
+                <a:highlight>
+                  <a:srgbClr val="FFFF00"/>
+                </a:highlight>
+              </a:rPr>
+              <a:t>How can we make sure other nodes will follow this protocol?</a:t>
+            </a:r>
+          </a:p>
+          <a:p>
+            <a:endParaRPr lang="en-US" dirty="0"/>
+          </a:p>
+        </p:txBody>
+      </p:sp>
+    </p:spTree>
+    <p:extLst>
+      <p:ext uri="{BB962C8B-B14F-4D97-AF65-F5344CB8AC3E}">
+        <p14:creationId xmlns:p14="http://schemas.microsoft.com/office/powerpoint/2010/main" val="719026272"/>
+      </p:ext>
+    </p:extLst>
+  </p:cSld>
+  <p:clrMapOvr>
+    <a:masterClrMapping/>
+  </p:clrMapOvr>
+</p:sld>
+</file>
+
+<file path=ppt/slides/slide18.xml><?xml version="1.0" encoding="utf-8"?>
+<p:sld xmlns:a="http://schemas.openxmlformats.org/drawingml/2006/main" xmlns:r="http://schemas.openxmlformats.org/officeDocument/2006/relationships" xmlns:p="http://schemas.openxmlformats.org/presentationml/2006/main">
+  <p:cSld>
+    <p:spTree>
+      <p:nvGrpSpPr>
+        <p:cNvPr id="1" name=""/>
+        <p:cNvGrpSpPr/>
+        <p:nvPr/>
+      </p:nvGrpSpPr>
+      <p:grpSpPr>
+        <a:xfrm>
+          <a:off x="0" y="0"/>
+          <a:ext cx="0" cy="0"/>
+          <a:chOff x="0" y="0"/>
+          <a:chExt cx="0" cy="0"/>
+        </a:xfrm>
+      </p:grpSpPr>
+      <p:sp>
+        <p:nvSpPr>
+          <p:cNvPr id="2" name="Title 1">
+            <a:extLst>
+              <a:ext uri="{FF2B5EF4-FFF2-40B4-BE49-F238E27FC236}">
+                <a16:creationId xmlns:a16="http://schemas.microsoft.com/office/drawing/2014/main" id="{899F4654-D4D0-4AFC-874D-ED370FCDBF32}"/>
+              </a:ext>
+            </a:extLst>
+          </p:cNvPr>
+          <p:cNvSpPr>
+            <a:spLocks noGrp="1"/>
+          </p:cNvSpPr>
+          <p:nvPr>
+            <p:ph type="title"/>
+          </p:nvPr>
+        </p:nvSpPr>
+        <p:spPr/>
+        <p:txBody>
+          <a:bodyPr/>
+          <a:lstStyle/>
+          <a:p>
+            <a:r>
+              <a:rPr lang="en-US" dirty="0"/>
+              <a:t>The protocol of fork</a:t>
+            </a:r>
+          </a:p>
+        </p:txBody>
+      </p:sp>
+      <p:sp>
+        <p:nvSpPr>
+          <p:cNvPr id="3" name="Content Placeholder 2">
+            <a:extLst>
+              <a:ext uri="{FF2B5EF4-FFF2-40B4-BE49-F238E27FC236}">
+                <a16:creationId xmlns:a16="http://schemas.microsoft.com/office/drawing/2014/main" id="{01FE3B03-5D20-47EF-A762-7C5459F08F1A}"/>
+              </a:ext>
+            </a:extLst>
+          </p:cNvPr>
+          <p:cNvSpPr>
+            <a:spLocks noGrp="1"/>
+          </p:cNvSpPr>
+          <p:nvPr>
+            <p:ph idx="1"/>
+          </p:nvPr>
+        </p:nvSpPr>
+        <p:spPr/>
+        <p:txBody>
+          <a:bodyPr/>
+          <a:lstStyle/>
+          <a:p>
+            <a:r>
+              <a:rPr lang="en-US" dirty="0"/>
+              <a:t>When a node has received two or more blocks simultaneously the node will wait for mining.</a:t>
+            </a:r>
+          </a:p>
+          <a:p>
+            <a:r>
+              <a:rPr lang="en-US" dirty="0"/>
+              <a:t>We will add the newest block to that branch where the hash of the block there points to.</a:t>
+            </a:r>
+          </a:p>
+          <a:p>
+            <a:r>
+              <a:rPr lang="en-US" dirty="0"/>
+              <a:t>Now nodes will notice the longest ledger and will continue it from there.</a:t>
+            </a:r>
+          </a:p>
+          <a:p>
+            <a:r>
+              <a:rPr lang="en-US" dirty="0"/>
+              <a:t>The other branch will be called orphaned and the transactions that it holds will be overturned.</a:t>
+            </a:r>
+          </a:p>
+        </p:txBody>
+      </p:sp>
+    </p:spTree>
+    <p:extLst>
+      <p:ext uri="{BB962C8B-B14F-4D97-AF65-F5344CB8AC3E}">
+        <p14:creationId xmlns:p14="http://schemas.microsoft.com/office/powerpoint/2010/main" val="2282217993"/>
+      </p:ext>
+    </p:extLst>
+  </p:cSld>
+  <p:clrMapOvr>
+    <a:masterClrMapping/>
+  </p:clrMapOvr>
+</p:sld>
+</file>
+
+<file path=ppt/slides/slide19.xml><?xml version="1.0" encoding="utf-8"?>
+<p:sld xmlns:a="http://schemas.openxmlformats.org/drawingml/2006/main" xmlns:r="http://schemas.openxmlformats.org/officeDocument/2006/relationships" xmlns:p="http://schemas.openxmlformats.org/presentationml/2006/main">
+  <p:cSld>
+    <p:spTree>
+      <p:nvGrpSpPr>
+        <p:cNvPr id="1" name=""/>
+        <p:cNvGrpSpPr/>
+        <p:nvPr/>
+      </p:nvGrpSpPr>
+      <p:grpSpPr>
+        <a:xfrm>
+          <a:off x="0" y="0"/>
+          <a:ext cx="0" cy="0"/>
+          <a:chOff x="0" y="0"/>
+          <a:chExt cx="0" cy="0"/>
+        </a:xfrm>
+      </p:grpSpPr>
+      <p:sp>
+        <p:nvSpPr>
+          <p:cNvPr id="2" name="Title 1">
+            <a:extLst>
+              <a:ext uri="{FF2B5EF4-FFF2-40B4-BE49-F238E27FC236}">
+                <a16:creationId xmlns:a16="http://schemas.microsoft.com/office/drawing/2014/main" id="{7AD866BC-55D1-466F-AC40-1F43B2CC909B}"/>
+              </a:ext>
+            </a:extLst>
+          </p:cNvPr>
+          <p:cNvSpPr>
+            <a:spLocks noGrp="1"/>
+          </p:cNvSpPr>
+          <p:nvPr>
+            <p:ph type="title"/>
+          </p:nvPr>
+        </p:nvSpPr>
+        <p:spPr/>
+        <p:txBody>
+          <a:bodyPr/>
+          <a:lstStyle/>
+          <a:p>
+            <a:r>
+              <a:rPr lang="en-US" dirty="0"/>
+              <a:t>More about fork</a:t>
+            </a:r>
+          </a:p>
+        </p:txBody>
+      </p:sp>
+      <p:sp>
+        <p:nvSpPr>
+          <p:cNvPr id="3" name="Content Placeholder 2">
+            <a:extLst>
+              <a:ext uri="{FF2B5EF4-FFF2-40B4-BE49-F238E27FC236}">
+                <a16:creationId xmlns:a16="http://schemas.microsoft.com/office/drawing/2014/main" id="{DC648138-2A4E-4273-9DC5-303C766E7DEF}"/>
+              </a:ext>
+            </a:extLst>
+          </p:cNvPr>
+          <p:cNvSpPr>
+            <a:spLocks noGrp="1"/>
+          </p:cNvSpPr>
+          <p:nvPr>
+            <p:ph idx="1"/>
+          </p:nvPr>
+        </p:nvSpPr>
+        <p:spPr/>
+        <p:txBody>
+          <a:bodyPr/>
+          <a:lstStyle/>
+          <a:p>
+            <a:r>
+              <a:rPr lang="en-US" dirty="0"/>
+              <a:t>Often forks are derived from disagreements. </a:t>
+            </a:r>
+          </a:p>
+          <a:p>
+            <a:r>
+              <a:rPr lang="en-US" dirty="0"/>
+              <a:t>Mostly they are disputes about changing the protocol of the coin</a:t>
+            </a:r>
+          </a:p>
+          <a:p>
+            <a:r>
+              <a:rPr lang="en-US" dirty="0"/>
+              <a:t>As a result, the two branches will stay active, but they will be independent from one another.</a:t>
+            </a:r>
+          </a:p>
+          <a:p>
+            <a:r>
+              <a:rPr lang="en-US" dirty="0"/>
+              <a:t>That’s how a new form of a digital coin starts. (</a:t>
+            </a:r>
+            <a:r>
+              <a:rPr lang="en-US" dirty="0" err="1"/>
+              <a:t>i.e</a:t>
+            </a:r>
+            <a:r>
+              <a:rPr lang="en-US" dirty="0"/>
+              <a:t> Bitcoin Cash)</a:t>
+            </a:r>
+          </a:p>
+        </p:txBody>
+      </p:sp>
+    </p:spTree>
+    <p:extLst>
+      <p:ext uri="{BB962C8B-B14F-4D97-AF65-F5344CB8AC3E}">
+        <p14:creationId xmlns:p14="http://schemas.microsoft.com/office/powerpoint/2010/main" val="542811243"/>
+      </p:ext>
+    </p:extLst>
+  </p:cSld>
+  <p:clrMapOvr>
+    <a:masterClrMapping/>
+  </p:clrMapOvr>
+</p:sld>
+</file>
+
 <file path=ppt/slides/slide2.xml><?xml version="1.0" encoding="utf-8"?>
 <p:sld xmlns:a="http://schemas.openxmlformats.org/drawingml/2006/main" xmlns:r="http://schemas.openxmlformats.org/officeDocument/2006/relationships" xmlns:p="http://schemas.openxmlformats.org/presentationml/2006/main">
   <p:cSld>
@@ -4283,6 +5803,792 @@
     <p:extLst>
       <p:ext uri="{BB962C8B-B14F-4D97-AF65-F5344CB8AC3E}">
         <p14:creationId xmlns:p14="http://schemas.microsoft.com/office/powerpoint/2010/main" val="2608851342"/>
+      </p:ext>
+    </p:extLst>
+  </p:cSld>
+  <p:clrMapOvr>
+    <a:masterClrMapping/>
+  </p:clrMapOvr>
+</p:sld>
+</file>
+
+<file path=ppt/slides/slide20.xml><?xml version="1.0" encoding="utf-8"?>
+<p:sld xmlns:a="http://schemas.openxmlformats.org/drawingml/2006/main" xmlns:r="http://schemas.openxmlformats.org/officeDocument/2006/relationships" xmlns:p="http://schemas.openxmlformats.org/presentationml/2006/main">
+  <p:cSld>
+    <p:spTree>
+      <p:nvGrpSpPr>
+        <p:cNvPr id="1" name=""/>
+        <p:cNvGrpSpPr/>
+        <p:nvPr/>
+      </p:nvGrpSpPr>
+      <p:grpSpPr>
+        <a:xfrm>
+          <a:off x="0" y="0"/>
+          <a:ext cx="0" cy="0"/>
+          <a:chOff x="0" y="0"/>
+          <a:chExt cx="0" cy="0"/>
+        </a:xfrm>
+      </p:grpSpPr>
+      <p:sp>
+        <p:nvSpPr>
+          <p:cNvPr id="2" name="Title 1">
+            <a:extLst>
+              <a:ext uri="{FF2B5EF4-FFF2-40B4-BE49-F238E27FC236}">
+                <a16:creationId xmlns:a16="http://schemas.microsoft.com/office/drawing/2014/main" id="{002A5A69-2079-42A1-BC3B-67066FA282A8}"/>
+              </a:ext>
+            </a:extLst>
+          </p:cNvPr>
+          <p:cNvSpPr>
+            <a:spLocks noGrp="1"/>
+          </p:cNvSpPr>
+          <p:nvPr>
+            <p:ph type="title"/>
+          </p:nvPr>
+        </p:nvSpPr>
+        <p:spPr/>
+        <p:txBody>
+          <a:bodyPr/>
+          <a:lstStyle/>
+          <a:p>
+            <a:r>
+              <a:rPr lang="en-US" dirty="0"/>
+              <a:t>Fees </a:t>
+            </a:r>
+          </a:p>
+        </p:txBody>
+      </p:sp>
+      <p:sp>
+        <p:nvSpPr>
+          <p:cNvPr id="3" name="Content Placeholder 2">
+            <a:extLst>
+              <a:ext uri="{FF2B5EF4-FFF2-40B4-BE49-F238E27FC236}">
+                <a16:creationId xmlns:a16="http://schemas.microsoft.com/office/drawing/2014/main" id="{70790C2C-537E-4DA4-A86E-0381782E7918}"/>
+              </a:ext>
+            </a:extLst>
+          </p:cNvPr>
+          <p:cNvSpPr>
+            <a:spLocks noGrp="1"/>
+          </p:cNvSpPr>
+          <p:nvPr>
+            <p:ph idx="1"/>
+          </p:nvPr>
+        </p:nvSpPr>
+        <p:spPr/>
+        <p:txBody>
+          <a:bodyPr/>
+          <a:lstStyle/>
+          <a:p>
+            <a:r>
+              <a:rPr lang="en-US" dirty="0"/>
+              <a:t>The difference between the payed amount to the amount that the payee received</a:t>
+            </a:r>
+          </a:p>
+          <a:p>
+            <a:r>
+              <a:rPr lang="en-US" dirty="0"/>
+              <a:t>How high are the fees?</a:t>
+            </a:r>
+          </a:p>
+          <a:p>
+            <a:r>
+              <a:rPr lang="en-US" dirty="0"/>
+              <a:t>Who does get the fees?</a:t>
+            </a:r>
+          </a:p>
+          <a:p>
+            <a:endParaRPr lang="en-US" dirty="0"/>
+          </a:p>
+          <a:p>
+            <a:endParaRPr lang="en-US" dirty="0"/>
+          </a:p>
+        </p:txBody>
+      </p:sp>
+    </p:spTree>
+    <p:extLst>
+      <p:ext uri="{BB962C8B-B14F-4D97-AF65-F5344CB8AC3E}">
+        <p14:creationId xmlns:p14="http://schemas.microsoft.com/office/powerpoint/2010/main" val="2829862257"/>
+      </p:ext>
+    </p:extLst>
+  </p:cSld>
+  <p:clrMapOvr>
+    <a:masterClrMapping/>
+  </p:clrMapOvr>
+</p:sld>
+</file>
+
+<file path=ppt/slides/slide21.xml><?xml version="1.0" encoding="utf-8"?>
+<p:sld xmlns:a="http://schemas.openxmlformats.org/drawingml/2006/main" xmlns:r="http://schemas.openxmlformats.org/officeDocument/2006/relationships" xmlns:p="http://schemas.openxmlformats.org/presentationml/2006/main">
+  <p:cSld>
+    <p:spTree>
+      <p:nvGrpSpPr>
+        <p:cNvPr id="1" name=""/>
+        <p:cNvGrpSpPr/>
+        <p:nvPr/>
+      </p:nvGrpSpPr>
+      <p:grpSpPr>
+        <a:xfrm>
+          <a:off x="0" y="0"/>
+          <a:ext cx="0" cy="0"/>
+          <a:chOff x="0" y="0"/>
+          <a:chExt cx="0" cy="0"/>
+        </a:xfrm>
+      </p:grpSpPr>
+      <p:sp>
+        <p:nvSpPr>
+          <p:cNvPr id="2" name="Title 1">
+            <a:extLst>
+              <a:ext uri="{FF2B5EF4-FFF2-40B4-BE49-F238E27FC236}">
+                <a16:creationId xmlns:a16="http://schemas.microsoft.com/office/drawing/2014/main" id="{94E2B95E-FA9E-45E3-8E93-07A4CD27AEA2}"/>
+              </a:ext>
+            </a:extLst>
+          </p:cNvPr>
+          <p:cNvSpPr>
+            <a:spLocks noGrp="1"/>
+          </p:cNvSpPr>
+          <p:nvPr>
+            <p:ph type="title"/>
+          </p:nvPr>
+        </p:nvSpPr>
+        <p:spPr/>
+        <p:txBody>
+          <a:bodyPr/>
+          <a:lstStyle/>
+          <a:p>
+            <a:r>
+              <a:rPr lang="en-US" dirty="0"/>
+              <a:t>storage</a:t>
+            </a:r>
+          </a:p>
+        </p:txBody>
+      </p:sp>
+      <p:sp>
+        <p:nvSpPr>
+          <p:cNvPr id="3" name="Content Placeholder 2">
+            <a:extLst>
+              <a:ext uri="{FF2B5EF4-FFF2-40B4-BE49-F238E27FC236}">
+                <a16:creationId xmlns:a16="http://schemas.microsoft.com/office/drawing/2014/main" id="{970593CD-25B8-41B9-98BA-1124E7CA5E52}"/>
+              </a:ext>
+            </a:extLst>
+          </p:cNvPr>
+          <p:cNvSpPr>
+            <a:spLocks noGrp="1"/>
+          </p:cNvSpPr>
+          <p:nvPr>
+            <p:ph idx="1"/>
+          </p:nvPr>
+        </p:nvSpPr>
+        <p:spPr/>
+        <p:txBody>
+          <a:bodyPr/>
+          <a:lstStyle/>
+          <a:p>
+            <a:r>
+              <a:rPr lang="en-US" dirty="0"/>
+              <a:t>Overtime obsolete data wastes a big amount of storage, but we can’t simply remove it</a:t>
+            </a:r>
+          </a:p>
+          <a:p>
+            <a:r>
+              <a:rPr lang="en-US" dirty="0"/>
+              <a:t>The solution to this problem is by Merkel trees.</a:t>
+            </a:r>
+          </a:p>
+          <a:p>
+            <a:r>
+              <a:rPr lang="en-US" dirty="0"/>
+              <a:t>What are Merkel trees?</a:t>
+            </a:r>
+          </a:p>
+          <a:p>
+            <a:endParaRPr lang="en-US" dirty="0"/>
+          </a:p>
+        </p:txBody>
+      </p:sp>
+    </p:spTree>
+    <p:extLst>
+      <p:ext uri="{BB962C8B-B14F-4D97-AF65-F5344CB8AC3E}">
+        <p14:creationId xmlns:p14="http://schemas.microsoft.com/office/powerpoint/2010/main" val="1676917100"/>
+      </p:ext>
+    </p:extLst>
+  </p:cSld>
+  <p:clrMapOvr>
+    <a:masterClrMapping/>
+  </p:clrMapOvr>
+</p:sld>
+</file>
+
+<file path=ppt/slides/slide22.xml><?xml version="1.0" encoding="utf-8"?>
+<p:sld xmlns:a="http://schemas.openxmlformats.org/drawingml/2006/main" xmlns:r="http://schemas.openxmlformats.org/officeDocument/2006/relationships" xmlns:p="http://schemas.openxmlformats.org/presentationml/2006/main">
+  <p:cSld>
+    <p:spTree>
+      <p:nvGrpSpPr>
+        <p:cNvPr id="1" name=""/>
+        <p:cNvGrpSpPr/>
+        <p:nvPr/>
+      </p:nvGrpSpPr>
+      <p:grpSpPr>
+        <a:xfrm>
+          <a:off x="0" y="0"/>
+          <a:ext cx="0" cy="0"/>
+          <a:chOff x="0" y="0"/>
+          <a:chExt cx="0" cy="0"/>
+        </a:xfrm>
+      </p:grpSpPr>
+      <p:sp>
+        <p:nvSpPr>
+          <p:cNvPr id="2" name="Title 1">
+            <a:extLst>
+              <a:ext uri="{FF2B5EF4-FFF2-40B4-BE49-F238E27FC236}">
+                <a16:creationId xmlns:a16="http://schemas.microsoft.com/office/drawing/2014/main" id="{5183A057-B1C1-427E-8671-916635B7CDC2}"/>
+              </a:ext>
+            </a:extLst>
+          </p:cNvPr>
+          <p:cNvSpPr>
+            <a:spLocks noGrp="1"/>
+          </p:cNvSpPr>
+          <p:nvPr>
+            <p:ph type="title"/>
+          </p:nvPr>
+        </p:nvSpPr>
+        <p:spPr/>
+        <p:txBody>
+          <a:bodyPr/>
+          <a:lstStyle/>
+          <a:p>
+            <a:r>
+              <a:rPr lang="en-US" dirty="0"/>
+              <a:t>What are </a:t>
+            </a:r>
+            <a:r>
+              <a:rPr lang="en-US" dirty="0" err="1"/>
+              <a:t>merkel</a:t>
+            </a:r>
+            <a:r>
+              <a:rPr lang="en-US" dirty="0"/>
+              <a:t> trees?</a:t>
+            </a:r>
+          </a:p>
+        </p:txBody>
+      </p:sp>
+      <p:sp>
+        <p:nvSpPr>
+          <p:cNvPr id="4" name="Content Placeholder 3">
+            <a:extLst>
+              <a:ext uri="{FF2B5EF4-FFF2-40B4-BE49-F238E27FC236}">
+                <a16:creationId xmlns:a16="http://schemas.microsoft.com/office/drawing/2014/main" id="{2F7AE84A-A527-4378-82A3-F04BF98B49F4}"/>
+              </a:ext>
+            </a:extLst>
+          </p:cNvPr>
+          <p:cNvSpPr>
+            <a:spLocks noGrp="1"/>
+          </p:cNvSpPr>
+          <p:nvPr>
+            <p:ph idx="1"/>
+          </p:nvPr>
+        </p:nvSpPr>
+        <p:spPr/>
+        <p:txBody>
+          <a:bodyPr/>
+          <a:lstStyle/>
+          <a:p>
+            <a:pPr marL="0" indent="0">
+              <a:buNone/>
+            </a:pPr>
+            <a:endParaRPr lang="en-US" dirty="0"/>
+          </a:p>
+        </p:txBody>
+      </p:sp>
+      <p:pic>
+        <p:nvPicPr>
+          <p:cNvPr id="1030" name="Picture 6">
+            <a:extLst>
+              <a:ext uri="{FF2B5EF4-FFF2-40B4-BE49-F238E27FC236}">
+                <a16:creationId xmlns:a16="http://schemas.microsoft.com/office/drawing/2014/main" id="{9FE0CD69-A11F-4003-BD14-C41B94F43020}"/>
+              </a:ext>
+            </a:extLst>
+          </p:cNvPr>
+          <p:cNvPicPr>
+            <a:picLocks noChangeAspect="1" noChangeArrowheads="1"/>
+          </p:cNvPicPr>
+          <p:nvPr/>
+        </p:nvPicPr>
+        <p:blipFill>
+          <a:blip r:embed="rId2">
+            <a:extLst>
+              <a:ext uri="{28A0092B-C50C-407E-A947-70E740481C1C}">
+                <a14:useLocalDpi xmlns:a14="http://schemas.microsoft.com/office/drawing/2010/main" val="0"/>
+              </a:ext>
+            </a:extLst>
+          </a:blip>
+          <a:srcRect/>
+          <a:stretch>
+            <a:fillRect/>
+          </a:stretch>
+        </p:blipFill>
+        <p:spPr bwMode="auto">
+          <a:xfrm>
+            <a:off x="913981" y="1890876"/>
+            <a:ext cx="10779760" cy="4876800"/>
+          </a:xfrm>
+          <a:prstGeom prst="rect">
+            <a:avLst/>
+          </a:prstGeom>
+          <a:noFill/>
+          <a:extLst>
+            <a:ext uri="{909E8E84-426E-40DD-AFC4-6F175D3DCCD1}">
+              <a14:hiddenFill xmlns:a14="http://schemas.microsoft.com/office/drawing/2010/main">
+                <a:solidFill>
+                  <a:srgbClr val="FFFFFF"/>
+                </a:solidFill>
+              </a14:hiddenFill>
+            </a:ext>
+          </a:extLst>
+        </p:spPr>
+      </p:pic>
+    </p:spTree>
+    <p:extLst>
+      <p:ext uri="{BB962C8B-B14F-4D97-AF65-F5344CB8AC3E}">
+        <p14:creationId xmlns:p14="http://schemas.microsoft.com/office/powerpoint/2010/main" val="988828171"/>
+      </p:ext>
+    </p:extLst>
+  </p:cSld>
+  <p:clrMapOvr>
+    <a:masterClrMapping/>
+  </p:clrMapOvr>
+</p:sld>
+</file>
+
+<file path=ppt/slides/slide23.xml><?xml version="1.0" encoding="utf-8"?>
+<p:sld xmlns:a="http://schemas.openxmlformats.org/drawingml/2006/main" xmlns:r="http://schemas.openxmlformats.org/officeDocument/2006/relationships" xmlns:p="http://schemas.openxmlformats.org/presentationml/2006/main">
+  <p:cSld>
+    <p:spTree>
+      <p:nvGrpSpPr>
+        <p:cNvPr id="1" name=""/>
+        <p:cNvGrpSpPr/>
+        <p:nvPr/>
+      </p:nvGrpSpPr>
+      <p:grpSpPr>
+        <a:xfrm>
+          <a:off x="0" y="0"/>
+          <a:ext cx="0" cy="0"/>
+          <a:chOff x="0" y="0"/>
+          <a:chExt cx="0" cy="0"/>
+        </a:xfrm>
+      </p:grpSpPr>
+      <p:sp>
+        <p:nvSpPr>
+          <p:cNvPr id="2" name="Title 1">
+            <a:extLst>
+              <a:ext uri="{FF2B5EF4-FFF2-40B4-BE49-F238E27FC236}">
+                <a16:creationId xmlns:a16="http://schemas.microsoft.com/office/drawing/2014/main" id="{49646D65-FA7B-4804-BE21-105AD243AB97}"/>
+              </a:ext>
+            </a:extLst>
+          </p:cNvPr>
+          <p:cNvSpPr>
+            <a:spLocks noGrp="1"/>
+          </p:cNvSpPr>
+          <p:nvPr>
+            <p:ph type="title"/>
+          </p:nvPr>
+        </p:nvSpPr>
+        <p:spPr/>
+        <p:txBody>
+          <a:bodyPr/>
+          <a:lstStyle/>
+          <a:p>
+            <a:r>
+              <a:rPr lang="en-US" dirty="0"/>
+              <a:t>PRIVACY</a:t>
+            </a:r>
+          </a:p>
+        </p:txBody>
+      </p:sp>
+      <p:sp>
+        <p:nvSpPr>
+          <p:cNvPr id="3" name="Content Placeholder 2">
+            <a:extLst>
+              <a:ext uri="{FF2B5EF4-FFF2-40B4-BE49-F238E27FC236}">
+                <a16:creationId xmlns:a16="http://schemas.microsoft.com/office/drawing/2014/main" id="{56292EC8-3157-4E97-ABED-81F90F7DF9D9}"/>
+              </a:ext>
+            </a:extLst>
+          </p:cNvPr>
+          <p:cNvSpPr>
+            <a:spLocks noGrp="1"/>
+          </p:cNvSpPr>
+          <p:nvPr>
+            <p:ph idx="1"/>
+          </p:nvPr>
+        </p:nvSpPr>
+        <p:spPr/>
+        <p:txBody>
+          <a:bodyPr/>
+          <a:lstStyle/>
+          <a:p>
+            <a:r>
+              <a:rPr lang="en-US" dirty="0"/>
+              <a:t>Privacy derives from the fact that people don’t want others to know what they do with their money.</a:t>
+            </a:r>
+          </a:p>
+          <a:p>
+            <a:r>
+              <a:rPr lang="en-US" dirty="0"/>
+              <a:t>In fiat currency banks do not expose your usage to others. On the other hand with this coin, it’s different.</a:t>
+            </a:r>
+          </a:p>
+          <a:p>
+            <a:r>
+              <a:rPr lang="en-US" dirty="0"/>
+              <a:t>With this coin, users can enhance their privacy by creating more public keys through one private key!</a:t>
+            </a:r>
+          </a:p>
+          <a:p>
+            <a:r>
+              <a:rPr lang="en-US" dirty="0"/>
+              <a:t>But it’s not enough. Combining some or all the keys in one transaction others can infer those keys belong to one user.</a:t>
+            </a:r>
+          </a:p>
+        </p:txBody>
+      </p:sp>
+    </p:spTree>
+    <p:extLst>
+      <p:ext uri="{BB962C8B-B14F-4D97-AF65-F5344CB8AC3E}">
+        <p14:creationId xmlns:p14="http://schemas.microsoft.com/office/powerpoint/2010/main" val="1938221486"/>
+      </p:ext>
+    </p:extLst>
+  </p:cSld>
+  <p:clrMapOvr>
+    <a:masterClrMapping/>
+  </p:clrMapOvr>
+</p:sld>
+</file>
+
+<file path=ppt/slides/slide24.xml><?xml version="1.0" encoding="utf-8"?>
+<p:sld xmlns:a="http://schemas.openxmlformats.org/drawingml/2006/main" xmlns:r="http://schemas.openxmlformats.org/officeDocument/2006/relationships" xmlns:p="http://schemas.openxmlformats.org/presentationml/2006/main">
+  <p:cSld>
+    <p:spTree>
+      <p:nvGrpSpPr>
+        <p:cNvPr id="1" name=""/>
+        <p:cNvGrpSpPr/>
+        <p:nvPr/>
+      </p:nvGrpSpPr>
+      <p:grpSpPr>
+        <a:xfrm>
+          <a:off x="0" y="0"/>
+          <a:ext cx="0" cy="0"/>
+          <a:chOff x="0" y="0"/>
+          <a:chExt cx="0" cy="0"/>
+        </a:xfrm>
+      </p:grpSpPr>
+      <p:sp>
+        <p:nvSpPr>
+          <p:cNvPr id="2" name="Title 1">
+            <a:extLst>
+              <a:ext uri="{FF2B5EF4-FFF2-40B4-BE49-F238E27FC236}">
+                <a16:creationId xmlns:a16="http://schemas.microsoft.com/office/drawing/2014/main" id="{6DA8F582-15C7-493A-A832-D2AC619AFF17}"/>
+              </a:ext>
+            </a:extLst>
+          </p:cNvPr>
+          <p:cNvSpPr>
+            <a:spLocks noGrp="1"/>
+          </p:cNvSpPr>
+          <p:nvPr>
+            <p:ph type="title"/>
+          </p:nvPr>
+        </p:nvSpPr>
+        <p:spPr/>
+        <p:txBody>
+          <a:bodyPr/>
+          <a:lstStyle/>
+          <a:p>
+            <a:r>
+              <a:rPr lang="en-US" dirty="0"/>
+              <a:t>Double spending attack</a:t>
+            </a:r>
+          </a:p>
+        </p:txBody>
+      </p:sp>
+      <p:sp>
+        <p:nvSpPr>
+          <p:cNvPr id="3" name="Content Placeholder 2">
+            <a:extLst>
+              <a:ext uri="{FF2B5EF4-FFF2-40B4-BE49-F238E27FC236}">
+                <a16:creationId xmlns:a16="http://schemas.microsoft.com/office/drawing/2014/main" id="{64E4F739-115D-4B36-BC56-E5049D8BA153}"/>
+              </a:ext>
+            </a:extLst>
+          </p:cNvPr>
+          <p:cNvSpPr>
+            <a:spLocks noGrp="1"/>
+          </p:cNvSpPr>
+          <p:nvPr>
+            <p:ph idx="1"/>
+          </p:nvPr>
+        </p:nvSpPr>
+        <p:spPr/>
+        <p:txBody>
+          <a:bodyPr>
+            <a:normAutofit fontScale="85000" lnSpcReduction="10000"/>
+          </a:bodyPr>
+          <a:lstStyle/>
+          <a:p>
+            <a:r>
+              <a:rPr lang="en-US" dirty="0"/>
+              <a:t>Double spending means spending the same money twice.</a:t>
+            </a:r>
+          </a:p>
+          <a:p>
+            <a:r>
+              <a:rPr lang="en-US" dirty="0"/>
+              <a:t>The attacker A wants to buy from victim B something. Accordingly they distribute to the network the transaction.</a:t>
+            </a:r>
+          </a:p>
+          <a:p>
+            <a:r>
+              <a:rPr lang="en-US" dirty="0"/>
+              <a:t>Some miners start working to solve the puzzle in some block numbered N that transaction is there</a:t>
+            </a:r>
+          </a:p>
+          <a:p>
+            <a:r>
+              <a:rPr lang="en-US" dirty="0"/>
+              <a:t>The attacker secretly mines a block numbered N that does not include that transaction in it(without distributing it).</a:t>
+            </a:r>
+          </a:p>
+          <a:p>
+            <a:r>
+              <a:rPr lang="en-US" dirty="0"/>
+              <a:t>After a few blocks that were added to the ledger B is convinced the money was transferred and ships the item to the attacker</a:t>
+            </a:r>
+          </a:p>
+          <a:p>
+            <a:r>
+              <a:rPr lang="en-US" dirty="0"/>
+              <a:t>The attacker keeps working on his ledger, making it longer</a:t>
+            </a:r>
+          </a:p>
+          <a:p>
+            <a:r>
+              <a:rPr lang="en-US" dirty="0"/>
+              <a:t>Once his ledger is the longest one, he distributes it to the network and therefore creates fork in block number N</a:t>
+            </a:r>
+          </a:p>
+          <a:p>
+            <a:r>
+              <a:rPr lang="en-US" dirty="0"/>
+              <a:t>Now everyone ignores the old ledger and starts working on the last block that A just distributed</a:t>
+            </a:r>
+          </a:p>
+          <a:p>
+            <a:r>
+              <a:rPr lang="en-US" dirty="0"/>
+              <a:t>Consequently A managed to get his money refunded plus having the item.</a:t>
+            </a:r>
+          </a:p>
+          <a:p>
+            <a:endParaRPr lang="en-US" dirty="0"/>
+          </a:p>
+        </p:txBody>
+      </p:sp>
+    </p:spTree>
+    <p:extLst>
+      <p:ext uri="{BB962C8B-B14F-4D97-AF65-F5344CB8AC3E}">
+        <p14:creationId xmlns:p14="http://schemas.microsoft.com/office/powerpoint/2010/main" val="2231223323"/>
+      </p:ext>
+    </p:extLst>
+  </p:cSld>
+  <p:clrMapOvr>
+    <a:masterClrMapping/>
+  </p:clrMapOvr>
+</p:sld>
+</file>
+
+<file path=ppt/slides/slide25.xml><?xml version="1.0" encoding="utf-8"?>
+<p:sld xmlns:a="http://schemas.openxmlformats.org/drawingml/2006/main" xmlns:r="http://schemas.openxmlformats.org/officeDocument/2006/relationships" xmlns:p="http://schemas.openxmlformats.org/presentationml/2006/main">
+  <p:cSld>
+    <p:spTree>
+      <p:nvGrpSpPr>
+        <p:cNvPr id="1" name=""/>
+        <p:cNvGrpSpPr/>
+        <p:nvPr/>
+      </p:nvGrpSpPr>
+      <p:grpSpPr>
+        <a:xfrm>
+          <a:off x="0" y="0"/>
+          <a:ext cx="0" cy="0"/>
+          <a:chOff x="0" y="0"/>
+          <a:chExt cx="0" cy="0"/>
+        </a:xfrm>
+      </p:grpSpPr>
+      <p:sp>
+        <p:nvSpPr>
+          <p:cNvPr id="2" name="Title 1">
+            <a:extLst>
+              <a:ext uri="{FF2B5EF4-FFF2-40B4-BE49-F238E27FC236}">
+                <a16:creationId xmlns:a16="http://schemas.microsoft.com/office/drawing/2014/main" id="{289CE932-F172-4A3F-8CC5-54AFD4B30E8B}"/>
+              </a:ext>
+            </a:extLst>
+          </p:cNvPr>
+          <p:cNvSpPr>
+            <a:spLocks noGrp="1"/>
+          </p:cNvSpPr>
+          <p:nvPr>
+            <p:ph type="title"/>
+          </p:nvPr>
+        </p:nvSpPr>
+        <p:spPr/>
+        <p:txBody>
+          <a:bodyPr/>
+          <a:lstStyle/>
+          <a:p>
+            <a:r>
+              <a:rPr lang="en-US" dirty="0"/>
+              <a:t>51% attack</a:t>
+            </a:r>
+          </a:p>
+        </p:txBody>
+      </p:sp>
+      <p:sp>
+        <p:nvSpPr>
+          <p:cNvPr id="3" name="Content Placeholder 2">
+            <a:extLst>
+              <a:ext uri="{FF2B5EF4-FFF2-40B4-BE49-F238E27FC236}">
+                <a16:creationId xmlns:a16="http://schemas.microsoft.com/office/drawing/2014/main" id="{0B913E43-DD26-4F69-A4F8-42BA50F32BE9}"/>
+              </a:ext>
+            </a:extLst>
+          </p:cNvPr>
+          <p:cNvSpPr>
+            <a:spLocks noGrp="1"/>
+          </p:cNvSpPr>
+          <p:nvPr>
+            <p:ph idx="1"/>
+          </p:nvPr>
+        </p:nvSpPr>
+        <p:spPr/>
+        <p:txBody>
+          <a:bodyPr/>
+          <a:lstStyle/>
+          <a:p>
+            <a:endParaRPr lang="en-US" dirty="0"/>
+          </a:p>
+        </p:txBody>
+      </p:sp>
+    </p:spTree>
+    <p:extLst>
+      <p:ext uri="{BB962C8B-B14F-4D97-AF65-F5344CB8AC3E}">
+        <p14:creationId xmlns:p14="http://schemas.microsoft.com/office/powerpoint/2010/main" val="1613898399"/>
+      </p:ext>
+    </p:extLst>
+  </p:cSld>
+  <p:clrMapOvr>
+    <a:masterClrMapping/>
+  </p:clrMapOvr>
+</p:sld>
+</file>
+
+<file path=ppt/slides/slide26.xml><?xml version="1.0" encoding="utf-8"?>
+<p:sld xmlns:a="http://schemas.openxmlformats.org/drawingml/2006/main" xmlns:r="http://schemas.openxmlformats.org/officeDocument/2006/relationships" xmlns:p="http://schemas.openxmlformats.org/presentationml/2006/main">
+  <p:cSld>
+    <p:spTree>
+      <p:nvGrpSpPr>
+        <p:cNvPr id="1" name=""/>
+        <p:cNvGrpSpPr/>
+        <p:nvPr/>
+      </p:nvGrpSpPr>
+      <p:grpSpPr>
+        <a:xfrm>
+          <a:off x="0" y="0"/>
+          <a:ext cx="0" cy="0"/>
+          <a:chOff x="0" y="0"/>
+          <a:chExt cx="0" cy="0"/>
+        </a:xfrm>
+      </p:grpSpPr>
+      <p:sp>
+        <p:nvSpPr>
+          <p:cNvPr id="2" name="Title 1">
+            <a:extLst>
+              <a:ext uri="{FF2B5EF4-FFF2-40B4-BE49-F238E27FC236}">
+                <a16:creationId xmlns:a16="http://schemas.microsoft.com/office/drawing/2014/main" id="{6040C449-77C7-42FD-8303-3DCB8BA6D8DE}"/>
+              </a:ext>
+            </a:extLst>
+          </p:cNvPr>
+          <p:cNvSpPr>
+            <a:spLocks noGrp="1"/>
+          </p:cNvSpPr>
+          <p:nvPr>
+            <p:ph type="title"/>
+          </p:nvPr>
+        </p:nvSpPr>
+        <p:spPr/>
+        <p:txBody>
+          <a:bodyPr/>
+          <a:lstStyle/>
+          <a:p>
+            <a:r>
+              <a:rPr lang="en-US" dirty="0"/>
+              <a:t>Selfish mining attack</a:t>
+            </a:r>
+          </a:p>
+        </p:txBody>
+      </p:sp>
+      <p:sp>
+        <p:nvSpPr>
+          <p:cNvPr id="3" name="Content Placeholder 2">
+            <a:extLst>
+              <a:ext uri="{FF2B5EF4-FFF2-40B4-BE49-F238E27FC236}">
+                <a16:creationId xmlns:a16="http://schemas.microsoft.com/office/drawing/2014/main" id="{099C4463-BD5E-486A-88E3-6833CBDADA61}"/>
+              </a:ext>
+            </a:extLst>
+          </p:cNvPr>
+          <p:cNvSpPr>
+            <a:spLocks noGrp="1"/>
+          </p:cNvSpPr>
+          <p:nvPr>
+            <p:ph idx="1"/>
+          </p:nvPr>
+        </p:nvSpPr>
+        <p:spPr/>
+        <p:txBody>
+          <a:bodyPr/>
+          <a:lstStyle/>
+          <a:p>
+            <a:r>
+              <a:rPr lang="en-US" dirty="0"/>
+              <a:t>This attack was theoretically published by an Israeli named </a:t>
+            </a:r>
+            <a:r>
+              <a:rPr lang="en-US" dirty="0" err="1"/>
+              <a:t>Itay</a:t>
+            </a:r>
+            <a:r>
+              <a:rPr lang="en-US" dirty="0"/>
+              <a:t> </a:t>
+            </a:r>
+            <a:r>
+              <a:rPr lang="en-US" dirty="0" err="1"/>
+              <a:t>Eyal</a:t>
+            </a:r>
+            <a:r>
+              <a:rPr lang="en-US" dirty="0"/>
+              <a:t> in 2013</a:t>
+            </a:r>
+          </a:p>
+          <a:p>
+            <a:r>
+              <a:rPr lang="en-US" dirty="0"/>
+              <a:t>This attack is not about stealing items without paying but earning money without following the protocol.</a:t>
+            </a:r>
+          </a:p>
+          <a:p>
+            <a:endParaRPr lang="en-US" dirty="0"/>
+          </a:p>
+          <a:p>
+            <a:endParaRPr lang="en-US" dirty="0"/>
+          </a:p>
+        </p:txBody>
+      </p:sp>
+    </p:spTree>
+    <p:extLst>
+      <p:ext uri="{BB962C8B-B14F-4D97-AF65-F5344CB8AC3E}">
+        <p14:creationId xmlns:p14="http://schemas.microsoft.com/office/powerpoint/2010/main" val="2137191479"/>
       </p:ext>
     </p:extLst>
   </p:cSld>
@@ -4561,28 +6867,30 @@
           <a:lstStyle/>
           <a:p>
             <a:r>
-              <a:rPr lang="he-IL" dirty="0"/>
-              <a:t>שרשרת של בלוקים</a:t>
-            </a:r>
-            <a:endParaRPr lang="en-US" dirty="0"/>
-          </a:p>
-          <a:p>
-            <a:r>
-              <a:rPr lang="he-IL" dirty="0"/>
-              <a:t>כל בלוק מכיל בערך 2000 עסקאות</a:t>
-            </a:r>
-          </a:p>
-          <a:p>
-            <a:r>
-              <a:rPr lang="he-IL" dirty="0"/>
-              <a:t>השרשרת יושבת במחשבים ברשת</a:t>
-            </a:r>
-          </a:p>
-          <a:p>
-            <a:r>
-              <a:rPr lang="he-IL" dirty="0"/>
-              <a:t>לא ניתן לשנות את המידע בבלוקים</a:t>
-            </a:r>
+              <a:rPr lang="en-US" dirty="0"/>
+              <a:t>A chain of blocks</a:t>
+            </a:r>
+          </a:p>
+          <a:p>
+            <a:r>
+              <a:rPr lang="en-US" dirty="0"/>
+              <a:t>Every block contains about 2000 transactions</a:t>
+            </a:r>
+            <a:endParaRPr lang="he-IL" dirty="0"/>
+          </a:p>
+          <a:p>
+            <a:r>
+              <a:rPr lang="en-US" dirty="0"/>
+              <a:t>The ledger is spread around nodes in the network</a:t>
+            </a:r>
+            <a:endParaRPr lang="he-IL" dirty="0"/>
+          </a:p>
+          <a:p>
+            <a:r>
+              <a:rPr lang="en-US" dirty="0"/>
+              <a:t>The data within the block is unchangeable.</a:t>
+            </a:r>
+            <a:endParaRPr lang="he-IL" dirty="0"/>
           </a:p>
         </p:txBody>
       </p:sp>
@@ -4639,7 +6947,7 @@
           <a:p>
             <a:r>
               <a:rPr lang="en-US" dirty="0"/>
-              <a:t>Safety</a:t>
+              <a:t>A problem</a:t>
             </a:r>
           </a:p>
         </p:txBody>
@@ -4666,10 +6974,9 @@
           <a:lstStyle/>
           <a:p>
             <a:r>
-              <a:rPr lang="he-IL"/>
-              <a:t>כל בלוק מכיל ............</a:t>
-            </a:r>
-            <a:endParaRPr lang="en-US"/>
+              <a:rPr lang="en-US" dirty="0"/>
+              <a:t>Somebody can tamper with the blocks. For instance steal money or cancel a transaction </a:t>
+            </a:r>
           </a:p>
         </p:txBody>
       </p:sp>
@@ -4677,6 +6984,315 @@
     <p:extLst>
       <p:ext uri="{BB962C8B-B14F-4D97-AF65-F5344CB8AC3E}">
         <p14:creationId xmlns:p14="http://schemas.microsoft.com/office/powerpoint/2010/main" val="2197069239"/>
+      </p:ext>
+    </p:extLst>
+  </p:cSld>
+  <p:clrMapOvr>
+    <a:masterClrMapping/>
+  </p:clrMapOvr>
+</p:sld>
+</file>
+
+<file path=ppt/slides/slide7.xml><?xml version="1.0" encoding="utf-8"?>
+<p:sld xmlns:a="http://schemas.openxmlformats.org/drawingml/2006/main" xmlns:r="http://schemas.openxmlformats.org/officeDocument/2006/relationships" xmlns:p="http://schemas.openxmlformats.org/presentationml/2006/main">
+  <p:cSld>
+    <p:spTree>
+      <p:nvGrpSpPr>
+        <p:cNvPr id="1" name=""/>
+        <p:cNvGrpSpPr/>
+        <p:nvPr/>
+      </p:nvGrpSpPr>
+      <p:grpSpPr>
+        <a:xfrm>
+          <a:off x="0" y="0"/>
+          <a:ext cx="0" cy="0"/>
+          <a:chOff x="0" y="0"/>
+          <a:chExt cx="0" cy="0"/>
+        </a:xfrm>
+      </p:grpSpPr>
+      <p:sp>
+        <p:nvSpPr>
+          <p:cNvPr id="2" name="Title 1">
+            <a:extLst>
+              <a:ext uri="{FF2B5EF4-FFF2-40B4-BE49-F238E27FC236}">
+                <a16:creationId xmlns:a16="http://schemas.microsoft.com/office/drawing/2014/main" id="{327E7626-86F1-4985-92D4-DFAD64D19CCC}"/>
+              </a:ext>
+            </a:extLst>
+          </p:cNvPr>
+          <p:cNvSpPr>
+            <a:spLocks noGrp="1"/>
+          </p:cNvSpPr>
+          <p:nvPr>
+            <p:ph type="title"/>
+          </p:nvPr>
+        </p:nvSpPr>
+        <p:spPr/>
+        <p:txBody>
+          <a:bodyPr/>
+          <a:lstStyle/>
+          <a:p>
+            <a:r>
+              <a:rPr lang="en-US" dirty="0"/>
+              <a:t>The solution: hashing</a:t>
+            </a:r>
+          </a:p>
+        </p:txBody>
+      </p:sp>
+      <p:sp>
+        <p:nvSpPr>
+          <p:cNvPr id="3" name="Content Placeholder 2">
+            <a:extLst>
+              <a:ext uri="{FF2B5EF4-FFF2-40B4-BE49-F238E27FC236}">
+                <a16:creationId xmlns:a16="http://schemas.microsoft.com/office/drawing/2014/main" id="{44790919-0649-409C-87AC-F4B128F073A6}"/>
+              </a:ext>
+            </a:extLst>
+          </p:cNvPr>
+          <p:cNvSpPr>
+            <a:spLocks noGrp="1"/>
+          </p:cNvSpPr>
+          <p:nvPr>
+            <p:ph idx="1"/>
+          </p:nvPr>
+        </p:nvSpPr>
+        <p:spPr/>
+        <p:txBody>
+          <a:bodyPr/>
+          <a:lstStyle/>
+          <a:p>
+            <a:r>
+              <a:rPr lang="en-US" dirty="0"/>
+              <a:t>Each block is composed of:</a:t>
+            </a:r>
+          </a:p>
+          <a:p>
+            <a:r>
+              <a:rPr lang="en-US" dirty="0"/>
+              <a:t>Timestamp</a:t>
+            </a:r>
+          </a:p>
+          <a:p>
+            <a:r>
+              <a:rPr lang="en-US" dirty="0"/>
+              <a:t>A nonce </a:t>
+            </a:r>
+          </a:p>
+          <a:p>
+            <a:r>
+              <a:rPr lang="en-US" dirty="0"/>
+              <a:t>The hash of the previous block</a:t>
+            </a:r>
+          </a:p>
+          <a:p>
+            <a:r>
+              <a:rPr lang="en-US" dirty="0"/>
+              <a:t>The goal of the current difficulty (We will talk about it later)</a:t>
+            </a:r>
+          </a:p>
+        </p:txBody>
+      </p:sp>
+    </p:spTree>
+    <p:extLst>
+      <p:ext uri="{BB962C8B-B14F-4D97-AF65-F5344CB8AC3E}">
+        <p14:creationId xmlns:p14="http://schemas.microsoft.com/office/powerpoint/2010/main" val="87234763"/>
+      </p:ext>
+    </p:extLst>
+  </p:cSld>
+  <p:clrMapOvr>
+    <a:masterClrMapping/>
+  </p:clrMapOvr>
+</p:sld>
+</file>
+
+<file path=ppt/slides/slide8.xml><?xml version="1.0" encoding="utf-8"?>
+<p:sld xmlns:a="http://schemas.openxmlformats.org/drawingml/2006/main" xmlns:r="http://schemas.openxmlformats.org/officeDocument/2006/relationships" xmlns:p="http://schemas.openxmlformats.org/presentationml/2006/main">
+  <p:cSld>
+    <p:spTree>
+      <p:nvGrpSpPr>
+        <p:cNvPr id="1" name=""/>
+        <p:cNvGrpSpPr/>
+        <p:nvPr/>
+      </p:nvGrpSpPr>
+      <p:grpSpPr>
+        <a:xfrm>
+          <a:off x="0" y="0"/>
+          <a:ext cx="0" cy="0"/>
+          <a:chOff x="0" y="0"/>
+          <a:chExt cx="0" cy="0"/>
+        </a:xfrm>
+      </p:grpSpPr>
+      <p:sp>
+        <p:nvSpPr>
+          <p:cNvPr id="2" name="Title 1">
+            <a:extLst>
+              <a:ext uri="{FF2B5EF4-FFF2-40B4-BE49-F238E27FC236}">
+                <a16:creationId xmlns:a16="http://schemas.microsoft.com/office/drawing/2014/main" id="{7797CACB-77EF-42C4-942A-53E371CFDAE5}"/>
+              </a:ext>
+            </a:extLst>
+          </p:cNvPr>
+          <p:cNvSpPr>
+            <a:spLocks noGrp="1"/>
+          </p:cNvSpPr>
+          <p:nvPr>
+            <p:ph type="title"/>
+          </p:nvPr>
+        </p:nvSpPr>
+        <p:spPr/>
+        <p:txBody>
+          <a:bodyPr/>
+          <a:lstStyle/>
+          <a:p>
+            <a:r>
+              <a:rPr lang="en-US" dirty="0"/>
+              <a:t>What happens when someone tampers with a block</a:t>
+            </a:r>
+          </a:p>
+        </p:txBody>
+      </p:sp>
+      <p:sp>
+        <p:nvSpPr>
+          <p:cNvPr id="3" name="Content Placeholder 2">
+            <a:extLst>
+              <a:ext uri="{FF2B5EF4-FFF2-40B4-BE49-F238E27FC236}">
+                <a16:creationId xmlns:a16="http://schemas.microsoft.com/office/drawing/2014/main" id="{CE5D0BDF-5D2F-4D8B-BC44-3BABA4AE6CF6}"/>
+              </a:ext>
+            </a:extLst>
+          </p:cNvPr>
+          <p:cNvSpPr>
+            <a:spLocks noGrp="1"/>
+          </p:cNvSpPr>
+          <p:nvPr>
+            <p:ph idx="1"/>
+          </p:nvPr>
+        </p:nvSpPr>
+        <p:spPr/>
+        <p:txBody>
+          <a:bodyPr/>
+          <a:lstStyle/>
+          <a:p>
+            <a:r>
+              <a:rPr lang="en-US" dirty="0"/>
+              <a:t>Tampering with a block changes its hash and thus changes the hash of the next blocks after it – making them invalid</a:t>
+            </a:r>
+          </a:p>
+          <a:p>
+            <a:r>
+              <a:rPr lang="en-US" dirty="0"/>
+              <a:t>The attacker will have to validate each block by finding a correct nonce which takes a whole lot of time</a:t>
+            </a:r>
+          </a:p>
+          <a:p>
+            <a:pPr marL="0" indent="0">
+              <a:buNone/>
+            </a:pPr>
+            <a:r>
+              <a:rPr lang="he-IL" dirty="0"/>
+              <a:t>אפשר להציג כאן הדגמה </a:t>
+            </a:r>
+          </a:p>
+        </p:txBody>
+      </p:sp>
+    </p:spTree>
+    <p:extLst>
+      <p:ext uri="{BB962C8B-B14F-4D97-AF65-F5344CB8AC3E}">
+        <p14:creationId xmlns:p14="http://schemas.microsoft.com/office/powerpoint/2010/main" val="811328245"/>
+      </p:ext>
+    </p:extLst>
+  </p:cSld>
+  <p:clrMapOvr>
+    <a:masterClrMapping/>
+  </p:clrMapOvr>
+</p:sld>
+</file>
+
+<file path=ppt/slides/slide9.xml><?xml version="1.0" encoding="utf-8"?>
+<p:sld xmlns:a="http://schemas.openxmlformats.org/drawingml/2006/main" xmlns:r="http://schemas.openxmlformats.org/officeDocument/2006/relationships" xmlns:p="http://schemas.openxmlformats.org/presentationml/2006/main">
+  <p:cSld>
+    <p:spTree>
+      <p:nvGrpSpPr>
+        <p:cNvPr id="1" name=""/>
+        <p:cNvGrpSpPr/>
+        <p:nvPr/>
+      </p:nvGrpSpPr>
+      <p:grpSpPr>
+        <a:xfrm>
+          <a:off x="0" y="0"/>
+          <a:ext cx="0" cy="0"/>
+          <a:chOff x="0" y="0"/>
+          <a:chExt cx="0" cy="0"/>
+        </a:xfrm>
+      </p:grpSpPr>
+      <p:sp>
+        <p:nvSpPr>
+          <p:cNvPr id="2" name="Title 1">
+            <a:extLst>
+              <a:ext uri="{FF2B5EF4-FFF2-40B4-BE49-F238E27FC236}">
+                <a16:creationId xmlns:a16="http://schemas.microsoft.com/office/drawing/2014/main" id="{BA338318-CCEC-4E50-BA2F-5AA755D48569}"/>
+              </a:ext>
+            </a:extLst>
+          </p:cNvPr>
+          <p:cNvSpPr>
+            <a:spLocks noGrp="1"/>
+          </p:cNvSpPr>
+          <p:nvPr>
+            <p:ph type="title"/>
+          </p:nvPr>
+        </p:nvSpPr>
+        <p:spPr/>
+        <p:txBody>
+          <a:bodyPr/>
+          <a:lstStyle/>
+          <a:p>
+            <a:r>
+              <a:rPr lang="en-US" dirty="0"/>
+              <a:t>How are we identified with this coin?</a:t>
+            </a:r>
+          </a:p>
+        </p:txBody>
+      </p:sp>
+      <p:sp>
+        <p:nvSpPr>
+          <p:cNvPr id="3" name="Content Placeholder 2">
+            <a:extLst>
+              <a:ext uri="{FF2B5EF4-FFF2-40B4-BE49-F238E27FC236}">
+                <a16:creationId xmlns:a16="http://schemas.microsoft.com/office/drawing/2014/main" id="{CE2D9E97-38AC-4F65-B530-AACB468DD5E0}"/>
+              </a:ext>
+            </a:extLst>
+          </p:cNvPr>
+          <p:cNvSpPr>
+            <a:spLocks noGrp="1"/>
+          </p:cNvSpPr>
+          <p:nvPr>
+            <p:ph idx="1"/>
+          </p:nvPr>
+        </p:nvSpPr>
+        <p:spPr/>
+        <p:txBody>
+          <a:bodyPr/>
+          <a:lstStyle/>
+          <a:p>
+            <a:r>
+              <a:rPr lang="en-US" dirty="0"/>
+              <a:t>We are identified by our public key</a:t>
+            </a:r>
+          </a:p>
+          <a:p>
+            <a:r>
+              <a:rPr lang="en-US" dirty="0"/>
+              <a:t>Each user has 2 keys: a private key which he keeps to himself and a public key which is public.</a:t>
+            </a:r>
+          </a:p>
+          <a:p>
+            <a:endParaRPr lang="en-US" dirty="0"/>
+          </a:p>
+          <a:p>
+            <a:endParaRPr lang="en-US" dirty="0"/>
+          </a:p>
+        </p:txBody>
+      </p:sp>
+    </p:spTree>
+    <p:extLst>
+      <p:ext uri="{BB962C8B-B14F-4D97-AF65-F5344CB8AC3E}">
+        <p14:creationId xmlns:p14="http://schemas.microsoft.com/office/powerpoint/2010/main" val="762862566"/>
       </p:ext>
     </p:extLst>
   </p:cSld>
@@ -4953,4 +7569,299 @@
     </a:ext>
   </a:extLst>
 </a:theme>
+</file>
+
+<file path=ppt/theme/theme2.xml><?xml version="1.0" encoding="utf-8"?>
+<a:theme xmlns:a="http://schemas.openxmlformats.org/drawingml/2006/main" name="Office Theme">
+  <a:themeElements>
+    <a:clrScheme name="Office">
+      <a:dk1>
+        <a:sysClr val="windowText" lastClr="000000"/>
+      </a:dk1>
+      <a:lt1>
+        <a:sysClr val="window" lastClr="FFFFFF"/>
+      </a:lt1>
+      <a:dk2>
+        <a:srgbClr val="44546A"/>
+      </a:dk2>
+      <a:lt2>
+        <a:srgbClr val="E7E6E6"/>
+      </a:lt2>
+      <a:accent1>
+        <a:srgbClr val="4472C4"/>
+      </a:accent1>
+      <a:accent2>
+        <a:srgbClr val="ED7D31"/>
+      </a:accent2>
+      <a:accent3>
+        <a:srgbClr val="A5A5A5"/>
+      </a:accent3>
+      <a:accent4>
+        <a:srgbClr val="FFC000"/>
+      </a:accent4>
+      <a:accent5>
+        <a:srgbClr val="5B9BD5"/>
+      </a:accent5>
+      <a:accent6>
+        <a:srgbClr val="70AD47"/>
+      </a:accent6>
+      <a:hlink>
+        <a:srgbClr val="0563C1"/>
+      </a:hlink>
+      <a:folHlink>
+        <a:srgbClr val="954F72"/>
+      </a:folHlink>
+    </a:clrScheme>
+    <a:fontScheme name="Office">
+      <a:majorFont>
+        <a:latin typeface="Calibri Light" panose="020F0302020204030204"/>
+        <a:ea typeface=""/>
+        <a:cs typeface=""/>
+        <a:font script="Jpan" typeface="游ゴシック Light"/>
+        <a:font script="Hang" typeface="맑은 고딕"/>
+        <a:font script="Hans" typeface="等线 Light"/>
+        <a:font script="Hant" typeface="新細明體"/>
+        <a:font script="Arab" typeface="Times New Roman"/>
+        <a:font script="Hebr" typeface="Times New Roman"/>
+        <a:font script="Thai" typeface="Angsana New"/>
+        <a:font script="Ethi" typeface="Nyala"/>
+        <a:font script="Beng" typeface="Vrinda"/>
+        <a:font script="Gujr" typeface="Shruti"/>
+        <a:font script="Khmr" typeface="MoolBoran"/>
+        <a:font script="Knda" typeface="Tunga"/>
+        <a:font script="Guru" typeface="Raavi"/>
+        <a:font script="Cans" typeface="Euphemia"/>
+        <a:font script="Cher" typeface="Plantagenet Cherokee"/>
+        <a:font script="Yiii" typeface="Microsoft Yi Baiti"/>
+        <a:font script="Tibt" typeface="Microsoft Himalaya"/>
+        <a:font script="Thaa" typeface="MV Boli"/>
+        <a:font script="Deva" typeface="Mangal"/>
+        <a:font script="Telu" typeface="Gautami"/>
+        <a:font script="Taml" typeface="Latha"/>
+        <a:font script="Syrc" typeface="Estrangelo Edessa"/>
+        <a:font script="Orya" typeface="Kalinga"/>
+        <a:font script="Mlym" typeface="Kartika"/>
+        <a:font script="Laoo" typeface="DokChampa"/>
+        <a:font script="Sinh" typeface="Iskoola Pota"/>
+        <a:font script="Mong" typeface="Mongolian Baiti"/>
+        <a:font script="Viet" typeface="Times New Roman"/>
+        <a:font script="Uigh" typeface="Microsoft Uighur"/>
+        <a:font script="Geor" typeface="Sylfaen"/>
+        <a:font script="Armn" typeface="Arial"/>
+        <a:font script="Bugi" typeface="Leelawadee UI"/>
+        <a:font script="Bopo" typeface="Microsoft JhengHei"/>
+        <a:font script="Java" typeface="Javanese Text"/>
+        <a:font script="Lisu" typeface="Segoe UI"/>
+        <a:font script="Mymr" typeface="Myanmar Text"/>
+        <a:font script="Nkoo" typeface="Ebrima"/>
+        <a:font script="Olck" typeface="Nirmala UI"/>
+        <a:font script="Osma" typeface="Ebrima"/>
+        <a:font script="Phag" typeface="Phagspa"/>
+        <a:font script="Syrn" typeface="Estrangelo Edessa"/>
+        <a:font script="Syrj" typeface="Estrangelo Edessa"/>
+        <a:font script="Syre" typeface="Estrangelo Edessa"/>
+        <a:font script="Sora" typeface="Nirmala UI"/>
+        <a:font script="Tale" typeface="Microsoft Tai Le"/>
+        <a:font script="Talu" typeface="Microsoft New Tai Lue"/>
+        <a:font script="Tfng" typeface="Ebrima"/>
+      </a:majorFont>
+      <a:minorFont>
+        <a:latin typeface="Calibri" panose="020F0502020204030204"/>
+        <a:ea typeface=""/>
+        <a:cs typeface=""/>
+        <a:font script="Jpan" typeface="游ゴシック"/>
+        <a:font script="Hang" typeface="맑은 고딕"/>
+        <a:font script="Hans" typeface="等线"/>
+        <a:font script="Hant" typeface="新細明體"/>
+        <a:font script="Arab" typeface="Arial"/>
+        <a:font script="Hebr" typeface="Arial"/>
+        <a:font script="Thai" typeface="Cordia New"/>
+        <a:font script="Ethi" typeface="Nyala"/>
+        <a:font script="Beng" typeface="Vrinda"/>
+        <a:font script="Gujr" typeface="Shruti"/>
+        <a:font script="Khmr" typeface="DaunPenh"/>
+        <a:font script="Knda" typeface="Tunga"/>
+        <a:font script="Guru" typeface="Raavi"/>
+        <a:font script="Cans" typeface="Euphemia"/>
+        <a:font script="Cher" typeface="Plantagenet Cherokee"/>
+        <a:font script="Yiii" typeface="Microsoft Yi Baiti"/>
+        <a:font script="Tibt" typeface="Microsoft Himalaya"/>
+        <a:font script="Thaa" typeface="MV Boli"/>
+        <a:font script="Deva" typeface="Mangal"/>
+        <a:font script="Telu" typeface="Gautami"/>
+        <a:font script="Taml" typeface="Latha"/>
+        <a:font script="Syrc" typeface="Estrangelo Edessa"/>
+        <a:font script="Orya" typeface="Kalinga"/>
+        <a:font script="Mlym" typeface="Kartika"/>
+        <a:font script="Laoo" typeface="DokChampa"/>
+        <a:font script="Sinh" typeface="Iskoola Pota"/>
+        <a:font script="Mong" typeface="Mongolian Baiti"/>
+        <a:font script="Viet" typeface="Arial"/>
+        <a:font script="Uigh" typeface="Microsoft Uighur"/>
+        <a:font script="Geor" typeface="Sylfaen"/>
+        <a:font script="Armn" typeface="Arial"/>
+        <a:font script="Bugi" typeface="Leelawadee UI"/>
+        <a:font script="Bopo" typeface="Microsoft JhengHei"/>
+        <a:font script="Java" typeface="Javanese Text"/>
+        <a:font script="Lisu" typeface="Segoe UI"/>
+        <a:font script="Mymr" typeface="Myanmar Text"/>
+        <a:font script="Nkoo" typeface="Ebrima"/>
+        <a:font script="Olck" typeface="Nirmala UI"/>
+        <a:font script="Osma" typeface="Ebrima"/>
+        <a:font script="Phag" typeface="Phagspa"/>
+        <a:font script="Syrn" typeface="Estrangelo Edessa"/>
+        <a:font script="Syrj" typeface="Estrangelo Edessa"/>
+        <a:font script="Syre" typeface="Estrangelo Edessa"/>
+        <a:font script="Sora" typeface="Nirmala UI"/>
+        <a:font script="Tale" typeface="Microsoft Tai Le"/>
+        <a:font script="Talu" typeface="Microsoft New Tai Lue"/>
+        <a:font script="Tfng" typeface="Ebrima"/>
+      </a:minorFont>
+    </a:fontScheme>
+    <a:fmtScheme name="Office">
+      <a:fillStyleLst>
+        <a:solidFill>
+          <a:schemeClr val="phClr"/>
+        </a:solidFill>
+        <a:gradFill rotWithShape="1">
+          <a:gsLst>
+            <a:gs pos="0">
+              <a:schemeClr val="phClr">
+                <a:lumMod val="110000"/>
+                <a:satMod val="105000"/>
+                <a:tint val="67000"/>
+              </a:schemeClr>
+            </a:gs>
+            <a:gs pos="50000">
+              <a:schemeClr val="phClr">
+                <a:lumMod val="105000"/>
+                <a:satMod val="103000"/>
+                <a:tint val="73000"/>
+              </a:schemeClr>
+            </a:gs>
+            <a:gs pos="100000">
+              <a:schemeClr val="phClr">
+                <a:lumMod val="105000"/>
+                <a:satMod val="109000"/>
+                <a:tint val="81000"/>
+              </a:schemeClr>
+            </a:gs>
+          </a:gsLst>
+          <a:lin ang="5400000" scaled="0"/>
+        </a:gradFill>
+        <a:gradFill rotWithShape="1">
+          <a:gsLst>
+            <a:gs pos="0">
+              <a:schemeClr val="phClr">
+                <a:satMod val="103000"/>
+                <a:lumMod val="102000"/>
+                <a:tint val="94000"/>
+              </a:schemeClr>
+            </a:gs>
+            <a:gs pos="50000">
+              <a:schemeClr val="phClr">
+                <a:satMod val="110000"/>
+                <a:lumMod val="100000"/>
+                <a:shade val="100000"/>
+              </a:schemeClr>
+            </a:gs>
+            <a:gs pos="100000">
+              <a:schemeClr val="phClr">
+                <a:lumMod val="99000"/>
+                <a:satMod val="120000"/>
+                <a:shade val="78000"/>
+              </a:schemeClr>
+            </a:gs>
+          </a:gsLst>
+          <a:lin ang="5400000" scaled="0"/>
+        </a:gradFill>
+      </a:fillStyleLst>
+      <a:lnStyleLst>
+        <a:ln w="6350" cap="flat" cmpd="sng" algn="ctr">
+          <a:solidFill>
+            <a:schemeClr val="phClr"/>
+          </a:solidFill>
+          <a:prstDash val="solid"/>
+          <a:miter lim="800000"/>
+        </a:ln>
+        <a:ln w="12700" cap="flat" cmpd="sng" algn="ctr">
+          <a:solidFill>
+            <a:schemeClr val="phClr"/>
+          </a:solidFill>
+          <a:prstDash val="solid"/>
+          <a:miter lim="800000"/>
+        </a:ln>
+        <a:ln w="19050" cap="flat" cmpd="sng" algn="ctr">
+          <a:solidFill>
+            <a:schemeClr val="phClr"/>
+          </a:solidFill>
+          <a:prstDash val="solid"/>
+          <a:miter lim="800000"/>
+        </a:ln>
+      </a:lnStyleLst>
+      <a:effectStyleLst>
+        <a:effectStyle>
+          <a:effectLst/>
+        </a:effectStyle>
+        <a:effectStyle>
+          <a:effectLst/>
+        </a:effectStyle>
+        <a:effectStyle>
+          <a:effectLst>
+            <a:outerShdw blurRad="57150" dist="19050" dir="5400000" algn="ctr" rotWithShape="0">
+              <a:srgbClr val="000000">
+                <a:alpha val="63000"/>
+              </a:srgbClr>
+            </a:outerShdw>
+          </a:effectLst>
+        </a:effectStyle>
+      </a:effectStyleLst>
+      <a:bgFillStyleLst>
+        <a:solidFill>
+          <a:schemeClr val="phClr"/>
+        </a:solidFill>
+        <a:solidFill>
+          <a:schemeClr val="phClr">
+            <a:tint val="95000"/>
+            <a:satMod val="170000"/>
+          </a:schemeClr>
+        </a:solidFill>
+        <a:gradFill rotWithShape="1">
+          <a:gsLst>
+            <a:gs pos="0">
+              <a:schemeClr val="phClr">
+                <a:tint val="93000"/>
+                <a:satMod val="150000"/>
+                <a:shade val="98000"/>
+                <a:lumMod val="102000"/>
+              </a:schemeClr>
+            </a:gs>
+            <a:gs pos="50000">
+              <a:schemeClr val="phClr">
+                <a:tint val="98000"/>
+                <a:satMod val="130000"/>
+                <a:shade val="90000"/>
+                <a:lumMod val="103000"/>
+              </a:schemeClr>
+            </a:gs>
+            <a:gs pos="100000">
+              <a:schemeClr val="phClr">
+                <a:shade val="63000"/>
+                <a:satMod val="120000"/>
+              </a:schemeClr>
+            </a:gs>
+          </a:gsLst>
+          <a:lin ang="5400000" scaled="0"/>
+        </a:gradFill>
+      </a:bgFillStyleLst>
+    </a:fmtScheme>
+  </a:themeElements>
+  <a:objectDefaults/>
+  <a:extraClrSchemeLst/>
+  <a:extLst>
+    <a:ext uri="{05A4C25C-085E-4340-85A3-A5531E510DB2}">
+      <thm15:themeFamily xmlns:thm15="http://schemas.microsoft.com/office/thememl/2012/main" name="Office Theme" id="{62F939B6-93AF-4DB8-9C6B-D6C7DFDC589F}" vid="{4A3C46E8-61CC-4603-A589-7422A47A8E4A}"/>
+    </a:ext>
+  </a:extLst>
+</a:theme>
 </file>
--- a/bitcoin.pptx
+++ b/bitcoin.pptx
@@ -4811,7 +4811,7 @@
           <a:p>
             <a:r>
               <a:rPr lang="en-US" dirty="0"/>
-              <a:t>Verification is …</a:t>
+              <a:t>Verification is through nodes in the network (we will talk about it in a moment)</a:t>
             </a:r>
           </a:p>
         </p:txBody>
@@ -7244,7 +7244,19 @@
           <a:p>
             <a:r>
               <a:rPr lang="en-US" dirty="0"/>
-              <a:t>How are we identified with this coin?</a:t>
+              <a:t>How are we identified</a:t>
+            </a:r>
+            <a:r>
+              <a:rPr lang="en-US" dirty="0">
+                <a:highlight>
+                  <a:srgbClr val="FFFF00"/>
+                </a:highlight>
+              </a:rPr>
+              <a:t>(?)</a:t>
+            </a:r>
+            <a:r>
+              <a:rPr lang="en-US" dirty="0"/>
+              <a:t> with this coin?</a:t>
             </a:r>
           </a:p>
         </p:txBody>
@@ -7272,7 +7284,19 @@
           <a:p>
             <a:r>
               <a:rPr lang="en-US" dirty="0"/>
-              <a:t>We are identified by our public key</a:t>
+              <a:t>We are </a:t>
+            </a:r>
+            <a:r>
+              <a:rPr lang="en-US" dirty="0">
+                <a:highlight>
+                  <a:srgbClr val="FFFF00"/>
+                </a:highlight>
+              </a:rPr>
+              <a:t>identified</a:t>
+            </a:r>
+            <a:r>
+              <a:rPr lang="en-US" dirty="0"/>
+              <a:t> by our public key</a:t>
             </a:r>
           </a:p>
           <a:p>

--- a/bitcoin.pptx
+++ b/bitcoin.pptx
@@ -5,7 +5,7 @@
     <p:sldMasterId id="2147483686" r:id="rId1"/>
   </p:sldMasterIdLst>
   <p:notesMasterIdLst>
-    <p:notesMasterId r:id="rId28"/>
+    <p:notesMasterId r:id="rId31"/>
   </p:notesMasterIdLst>
   <p:sldIdLst>
     <p:sldId id="256" r:id="rId2"/>
@@ -21,19 +21,22 @@
     <p:sldId id="266" r:id="rId12"/>
     <p:sldId id="267" r:id="rId13"/>
     <p:sldId id="269" r:id="rId14"/>
-    <p:sldId id="278" r:id="rId15"/>
-    <p:sldId id="268" r:id="rId16"/>
-    <p:sldId id="275" r:id="rId17"/>
-    <p:sldId id="276" r:id="rId18"/>
-    <p:sldId id="277" r:id="rId19"/>
-    <p:sldId id="279" r:id="rId20"/>
-    <p:sldId id="270" r:id="rId21"/>
-    <p:sldId id="271" r:id="rId22"/>
-    <p:sldId id="272" r:id="rId23"/>
-    <p:sldId id="273" r:id="rId24"/>
-    <p:sldId id="274" r:id="rId25"/>
-    <p:sldId id="280" r:id="rId26"/>
-    <p:sldId id="281" r:id="rId27"/>
+    <p:sldId id="282" r:id="rId15"/>
+    <p:sldId id="284" r:id="rId16"/>
+    <p:sldId id="283" r:id="rId17"/>
+    <p:sldId id="278" r:id="rId18"/>
+    <p:sldId id="268" r:id="rId19"/>
+    <p:sldId id="275" r:id="rId20"/>
+    <p:sldId id="276" r:id="rId21"/>
+    <p:sldId id="277" r:id="rId22"/>
+    <p:sldId id="279" r:id="rId23"/>
+    <p:sldId id="270" r:id="rId24"/>
+    <p:sldId id="271" r:id="rId25"/>
+    <p:sldId id="272" r:id="rId26"/>
+    <p:sldId id="273" r:id="rId27"/>
+    <p:sldId id="274" r:id="rId28"/>
+    <p:sldId id="280" r:id="rId29"/>
+    <p:sldId id="281" r:id="rId30"/>
   </p:sldIdLst>
   <p:sldSz cx="12192000" cy="6858000"/>
   <p:notesSz cx="6858000" cy="9144000"/>
@@ -580,7 +583,91 @@
           <a:p>
             <a:fld id="{AE585894-D30D-42EB-9150-3284AD23AEAF}" type="slidenum">
               <a:rPr lang="en-US" smtClean="0"/>
-              <a:t>20</a:t>
+              <a:t>14</a:t>
+            </a:fld>
+            <a:endParaRPr lang="en-US"/>
+          </a:p>
+        </p:txBody>
+      </p:sp>
+    </p:spTree>
+    <p:extLst>
+      <p:ext uri="{BB962C8B-B14F-4D97-AF65-F5344CB8AC3E}">
+        <p14:creationId xmlns:p14="http://schemas.microsoft.com/office/powerpoint/2010/main" val="1782431022"/>
+      </p:ext>
+    </p:extLst>
+  </p:cSld>
+  <p:clrMapOvr>
+    <a:masterClrMapping/>
+  </p:clrMapOvr>
+</p:notes>
+</file>
+
+<file path=ppt/notesSlides/notesSlide2.xml><?xml version="1.0" encoding="utf-8"?>
+<p:notes xmlns:a="http://schemas.openxmlformats.org/drawingml/2006/main" xmlns:r="http://schemas.openxmlformats.org/officeDocument/2006/relationships" xmlns:p="http://schemas.openxmlformats.org/presentationml/2006/main">
+  <p:cSld>
+    <p:spTree>
+      <p:nvGrpSpPr>
+        <p:cNvPr id="1" name=""/>
+        <p:cNvGrpSpPr/>
+        <p:nvPr/>
+      </p:nvGrpSpPr>
+      <p:grpSpPr>
+        <a:xfrm>
+          <a:off x="0" y="0"/>
+          <a:ext cx="0" cy="0"/>
+          <a:chOff x="0" y="0"/>
+          <a:chExt cx="0" cy="0"/>
+        </a:xfrm>
+      </p:grpSpPr>
+      <p:sp>
+        <p:nvSpPr>
+          <p:cNvPr id="2" name="Slide Image Placeholder 1"/>
+          <p:cNvSpPr>
+            <a:spLocks noGrp="1" noRot="1" noChangeAspect="1"/>
+          </p:cNvSpPr>
+          <p:nvPr>
+            <p:ph type="sldImg"/>
+          </p:nvPr>
+        </p:nvSpPr>
+        <p:spPr/>
+      </p:sp>
+      <p:sp>
+        <p:nvSpPr>
+          <p:cNvPr id="3" name="Notes Placeholder 2"/>
+          <p:cNvSpPr>
+            <a:spLocks noGrp="1"/>
+          </p:cNvSpPr>
+          <p:nvPr>
+            <p:ph type="body" idx="1"/>
+          </p:nvPr>
+        </p:nvSpPr>
+        <p:spPr/>
+        <p:txBody>
+          <a:bodyPr/>
+          <a:lstStyle/>
+          <a:p>
+            <a:endParaRPr lang="en-US" dirty="0"/>
+          </a:p>
+        </p:txBody>
+      </p:sp>
+      <p:sp>
+        <p:nvSpPr>
+          <p:cNvPr id="4" name="Slide Number Placeholder 3"/>
+          <p:cNvSpPr>
+            <a:spLocks noGrp="1"/>
+          </p:cNvSpPr>
+          <p:nvPr>
+            <p:ph type="sldNum" sz="quarter" idx="5"/>
+          </p:nvPr>
+        </p:nvSpPr>
+        <p:spPr/>
+        <p:txBody>
+          <a:bodyPr/>
+          <a:lstStyle/>
+          <a:p>
+            <a:fld id="{AE585894-D30D-42EB-9150-3284AD23AEAF}" type="slidenum">
+              <a:rPr lang="en-US" smtClean="0"/>
+              <a:t>23</a:t>
             </a:fld>
             <a:endParaRPr lang="en-US"/>
           </a:p>
@@ -5034,7 +5121,7 @@
           <a:p>
             <a:r>
               <a:rPr lang="en-US" dirty="0"/>
-              <a:t>How does the puzzle difficulty change?</a:t>
+              <a:t>How is the difficulty target determined?</a:t>
             </a:r>
           </a:p>
         </p:txBody>
@@ -5074,7 +5161,7 @@
           <p:cNvPr id="2" name="Title 1">
             <a:extLst>
               <a:ext uri="{FF2B5EF4-FFF2-40B4-BE49-F238E27FC236}">
-                <a16:creationId xmlns:a16="http://schemas.microsoft.com/office/drawing/2014/main" id="{9CB1EFAB-3825-48B1-9A3F-8E65C449B6B2}"/>
+                <a16:creationId xmlns:a16="http://schemas.microsoft.com/office/drawing/2014/main" id="{5CF92AD2-5469-47A4-B628-4B6B33F38714}"/>
               </a:ext>
             </a:extLst>
           </p:cNvPr>
@@ -5090,7 +5177,374 @@
           <a:bodyPr/>
           <a:lstStyle/>
           <a:p>
-            <a:endParaRPr lang="en-US"/>
+            <a:r>
+              <a:rPr lang="en-US" dirty="0"/>
+              <a:t>mining</a:t>
+            </a:r>
+          </a:p>
+        </p:txBody>
+      </p:sp>
+      <p:sp>
+        <p:nvSpPr>
+          <p:cNvPr id="3" name="Content Placeholder 2">
+            <a:extLst>
+              <a:ext uri="{FF2B5EF4-FFF2-40B4-BE49-F238E27FC236}">
+                <a16:creationId xmlns:a16="http://schemas.microsoft.com/office/drawing/2014/main" id="{621345A3-33DE-4939-8C49-858410D34B28}"/>
+              </a:ext>
+            </a:extLst>
+          </p:cNvPr>
+          <p:cNvSpPr>
+            <a:spLocks noGrp="1"/>
+          </p:cNvSpPr>
+          <p:nvPr>
+            <p:ph idx="1"/>
+          </p:nvPr>
+        </p:nvSpPr>
+        <p:spPr/>
+        <p:txBody>
+          <a:bodyPr>
+            <a:normAutofit fontScale="92500" lnSpcReduction="10000"/>
+          </a:bodyPr>
+          <a:lstStyle/>
+          <a:p>
+            <a:r>
+              <a:rPr lang="en-US" dirty="0"/>
+              <a:t>Mining is the process of adding transaction records to Bitcoin's public ledger of past transactions. </a:t>
+            </a:r>
+            <a:r>
+              <a:rPr lang="he-IL" dirty="0">
+                <a:highlight>
+                  <a:srgbClr val="FFFF00"/>
+                </a:highlight>
+              </a:rPr>
+              <a:t>להרחיב</a:t>
+            </a:r>
+            <a:endParaRPr lang="en-US" dirty="0">
+              <a:highlight>
+                <a:srgbClr val="FFFF00"/>
+              </a:highlight>
+            </a:endParaRPr>
+          </a:p>
+          <a:p>
+            <a:r>
+              <a:rPr lang="en-US" dirty="0"/>
+              <a:t>Mining pool is … </a:t>
+            </a:r>
+          </a:p>
+          <a:p>
+            <a:r>
+              <a:rPr lang="en-US" dirty="0"/>
+              <a:t>In order to mine, every miner must solve the following difficult math equation: </a:t>
+            </a:r>
+          </a:p>
+          <a:p>
+            <a:pPr marL="0" indent="0">
+              <a:buNone/>
+            </a:pPr>
+            <a:r>
+              <a:rPr lang="en-US" dirty="0"/>
+              <a:t>       SHA-256(</a:t>
+            </a:r>
+            <a:r>
+              <a:rPr lang="en-US" dirty="0" err="1"/>
+              <a:t>block_text</a:t>
+            </a:r>
+            <a:r>
+              <a:rPr lang="en-US" dirty="0"/>
+              <a:t> + nonce) &lt; 2^100 </a:t>
+            </a:r>
+            <a:endParaRPr lang="he-IL" dirty="0"/>
+          </a:p>
+          <a:p>
+            <a:pPr marL="0" indent="0">
+              <a:buNone/>
+            </a:pPr>
+            <a:r>
+              <a:rPr lang="he-IL" dirty="0"/>
+              <a:t>     </a:t>
+            </a:r>
+            <a:r>
+              <a:rPr lang="en-US" dirty="0"/>
+              <a:t>which is composed of certain number of 0’s from the right. </a:t>
+            </a:r>
+          </a:p>
+          <a:p>
+            <a:r>
+              <a:rPr lang="en-US" dirty="0"/>
+              <a:t>The number of 0’s describes the difficulty of the puzzle. In 2016 the number was 70 and today is </a:t>
+            </a:r>
+            <a:r>
+              <a:rPr lang="en-US" dirty="0">
+                <a:highlight>
+                  <a:srgbClr val="FFFF00"/>
+                </a:highlight>
+              </a:rPr>
+              <a:t>TODO</a:t>
+            </a:r>
+            <a:r>
+              <a:rPr lang="en-US" dirty="0"/>
+              <a:t> </a:t>
+            </a:r>
+          </a:p>
+          <a:p>
+            <a:pPr marL="0" indent="0">
+              <a:buNone/>
+            </a:pPr>
+            <a:endParaRPr lang="en-US" dirty="0"/>
+          </a:p>
+          <a:p>
+            <a:pPr marL="0" indent="0">
+              <a:buNone/>
+            </a:pPr>
+            <a:endParaRPr lang="en-US" dirty="0"/>
+          </a:p>
+          <a:p>
+            <a:pPr marL="0" indent="0">
+              <a:buNone/>
+            </a:pPr>
+            <a:r>
+              <a:rPr lang="en-US" dirty="0"/>
+              <a:t> </a:t>
+            </a:r>
+          </a:p>
+        </p:txBody>
+      </p:sp>
+    </p:spTree>
+    <p:extLst>
+      <p:ext uri="{BB962C8B-B14F-4D97-AF65-F5344CB8AC3E}">
+        <p14:creationId xmlns:p14="http://schemas.microsoft.com/office/powerpoint/2010/main" val="3518750676"/>
+      </p:ext>
+    </p:extLst>
+  </p:cSld>
+  <p:clrMapOvr>
+    <a:masterClrMapping/>
+  </p:clrMapOvr>
+</p:sld>
+</file>
+
+<file path=ppt/slides/slide15.xml><?xml version="1.0" encoding="utf-8"?>
+<p:sld xmlns:a="http://schemas.openxmlformats.org/drawingml/2006/main" xmlns:r="http://schemas.openxmlformats.org/officeDocument/2006/relationships" xmlns:p="http://schemas.openxmlformats.org/presentationml/2006/main">
+  <p:cSld>
+    <p:spTree>
+      <p:nvGrpSpPr>
+        <p:cNvPr id="1" name=""/>
+        <p:cNvGrpSpPr/>
+        <p:nvPr/>
+      </p:nvGrpSpPr>
+      <p:grpSpPr>
+        <a:xfrm>
+          <a:off x="0" y="0"/>
+          <a:ext cx="0" cy="0"/>
+          <a:chOff x="0" y="0"/>
+          <a:chExt cx="0" cy="0"/>
+        </a:xfrm>
+      </p:grpSpPr>
+      <p:sp>
+        <p:nvSpPr>
+          <p:cNvPr id="2" name="Title 1">
+            <a:extLst>
+              <a:ext uri="{FF2B5EF4-FFF2-40B4-BE49-F238E27FC236}">
+                <a16:creationId xmlns:a16="http://schemas.microsoft.com/office/drawing/2014/main" id="{0FC8C5C7-32F8-488A-87EB-9C3FAB29B9B2}"/>
+              </a:ext>
+            </a:extLst>
+          </p:cNvPr>
+          <p:cNvSpPr>
+            <a:spLocks noGrp="1"/>
+          </p:cNvSpPr>
+          <p:nvPr>
+            <p:ph type="title"/>
+          </p:nvPr>
+        </p:nvSpPr>
+        <p:spPr/>
+        <p:txBody>
+          <a:bodyPr/>
+          <a:lstStyle/>
+          <a:p>
+            <a:r>
+              <a:rPr lang="en-US" dirty="0"/>
+              <a:t>Mining – incentives </a:t>
+            </a:r>
+          </a:p>
+        </p:txBody>
+      </p:sp>
+      <p:sp>
+        <p:nvSpPr>
+          <p:cNvPr id="3" name="Content Placeholder 2">
+            <a:extLst>
+              <a:ext uri="{FF2B5EF4-FFF2-40B4-BE49-F238E27FC236}">
+                <a16:creationId xmlns:a16="http://schemas.microsoft.com/office/drawing/2014/main" id="{554960FA-108B-4397-9CCE-F0BDE0C54641}"/>
+              </a:ext>
+            </a:extLst>
+          </p:cNvPr>
+          <p:cNvSpPr>
+            <a:spLocks noGrp="1"/>
+          </p:cNvSpPr>
+          <p:nvPr>
+            <p:ph idx="1"/>
+          </p:nvPr>
+        </p:nvSpPr>
+        <p:spPr/>
+        <p:txBody>
+          <a:bodyPr/>
+          <a:lstStyle/>
+          <a:p>
+            <a:r>
+              <a:rPr lang="en-US" dirty="0"/>
+              <a:t>Every miner that solved the puzzle gets:</a:t>
+            </a:r>
+          </a:p>
+          <a:p>
+            <a:r>
+              <a:rPr lang="en-US" dirty="0"/>
+              <a:t>A certain number of bitcoin (Today is 12.5 BTC and this number decreases exponentially every 4 years)</a:t>
+            </a:r>
+          </a:p>
+          <a:p>
+            <a:r>
+              <a:rPr lang="en-US" dirty="0"/>
+              <a:t>The transaction fees</a:t>
+            </a:r>
+          </a:p>
+        </p:txBody>
+      </p:sp>
+    </p:spTree>
+    <p:extLst>
+      <p:ext uri="{BB962C8B-B14F-4D97-AF65-F5344CB8AC3E}">
+        <p14:creationId xmlns:p14="http://schemas.microsoft.com/office/powerpoint/2010/main" val="1273264524"/>
+      </p:ext>
+    </p:extLst>
+  </p:cSld>
+  <p:clrMapOvr>
+    <a:masterClrMapping/>
+  </p:clrMapOvr>
+</p:sld>
+</file>
+
+<file path=ppt/slides/slide16.xml><?xml version="1.0" encoding="utf-8"?>
+<p:sld xmlns:a="http://schemas.openxmlformats.org/drawingml/2006/main" xmlns:r="http://schemas.openxmlformats.org/officeDocument/2006/relationships" xmlns:p="http://schemas.openxmlformats.org/presentationml/2006/main">
+  <p:cSld>
+    <p:spTree>
+      <p:nvGrpSpPr>
+        <p:cNvPr id="1" name=""/>
+        <p:cNvGrpSpPr/>
+        <p:nvPr/>
+      </p:nvGrpSpPr>
+      <p:grpSpPr>
+        <a:xfrm>
+          <a:off x="0" y="0"/>
+          <a:ext cx="0" cy="0"/>
+          <a:chOff x="0" y="0"/>
+          <a:chExt cx="0" cy="0"/>
+        </a:xfrm>
+      </p:grpSpPr>
+      <p:sp>
+        <p:nvSpPr>
+          <p:cNvPr id="2" name="Title 1">
+            <a:extLst>
+              <a:ext uri="{FF2B5EF4-FFF2-40B4-BE49-F238E27FC236}">
+                <a16:creationId xmlns:a16="http://schemas.microsoft.com/office/drawing/2014/main" id="{AF99F1DD-A931-4FA8-9E07-D0144797BD8E}"/>
+              </a:ext>
+            </a:extLst>
+          </p:cNvPr>
+          <p:cNvSpPr>
+            <a:spLocks noGrp="1"/>
+          </p:cNvSpPr>
+          <p:nvPr>
+            <p:ph type="title"/>
+          </p:nvPr>
+        </p:nvSpPr>
+        <p:spPr/>
+        <p:txBody>
+          <a:bodyPr/>
+          <a:lstStyle/>
+          <a:p>
+            <a:r>
+              <a:rPr lang="en-US" dirty="0"/>
+              <a:t>How is the difficulty target determined?</a:t>
+            </a:r>
+          </a:p>
+        </p:txBody>
+      </p:sp>
+      <p:sp>
+        <p:nvSpPr>
+          <p:cNvPr id="3" name="Content Placeholder 2">
+            <a:extLst>
+              <a:ext uri="{FF2B5EF4-FFF2-40B4-BE49-F238E27FC236}">
+                <a16:creationId xmlns:a16="http://schemas.microsoft.com/office/drawing/2014/main" id="{6053EAFC-DC62-4317-9AD3-DD5D183F4002}"/>
+              </a:ext>
+            </a:extLst>
+          </p:cNvPr>
+          <p:cNvSpPr>
+            <a:spLocks noGrp="1"/>
+          </p:cNvSpPr>
+          <p:nvPr>
+            <p:ph idx="1"/>
+          </p:nvPr>
+        </p:nvSpPr>
+        <p:spPr/>
+        <p:txBody>
+          <a:bodyPr/>
+          <a:lstStyle/>
+          <a:p>
+            <a:r>
+              <a:rPr lang="en-US" dirty="0"/>
+              <a:t>The difficulty is determined by the rate of miners that solve the puzzle.</a:t>
+            </a:r>
+          </a:p>
+        </p:txBody>
+      </p:sp>
+    </p:spTree>
+    <p:extLst>
+      <p:ext uri="{BB962C8B-B14F-4D97-AF65-F5344CB8AC3E}">
+        <p14:creationId xmlns:p14="http://schemas.microsoft.com/office/powerpoint/2010/main" val="941831048"/>
+      </p:ext>
+    </p:extLst>
+  </p:cSld>
+  <p:clrMapOvr>
+    <a:masterClrMapping/>
+  </p:clrMapOvr>
+</p:sld>
+</file>
+
+<file path=ppt/slides/slide17.xml><?xml version="1.0" encoding="utf-8"?>
+<p:sld xmlns:a="http://schemas.openxmlformats.org/drawingml/2006/main" xmlns:r="http://schemas.openxmlformats.org/officeDocument/2006/relationships" xmlns:p="http://schemas.openxmlformats.org/presentationml/2006/main">
+  <p:cSld>
+    <p:spTree>
+      <p:nvGrpSpPr>
+        <p:cNvPr id="1" name=""/>
+        <p:cNvGrpSpPr/>
+        <p:nvPr/>
+      </p:nvGrpSpPr>
+      <p:grpSpPr>
+        <a:xfrm>
+          <a:off x="0" y="0"/>
+          <a:ext cx="0" cy="0"/>
+          <a:chOff x="0" y="0"/>
+          <a:chExt cx="0" cy="0"/>
+        </a:xfrm>
+      </p:grpSpPr>
+      <p:sp>
+        <p:nvSpPr>
+          <p:cNvPr id="2" name="Title 1">
+            <a:extLst>
+              <a:ext uri="{FF2B5EF4-FFF2-40B4-BE49-F238E27FC236}">
+                <a16:creationId xmlns:a16="http://schemas.microsoft.com/office/drawing/2014/main" id="{9CB1EFAB-3825-48B1-9A3F-8E65C449B6B2}"/>
+              </a:ext>
+            </a:extLst>
+          </p:cNvPr>
+          <p:cNvSpPr>
+            <a:spLocks noGrp="1"/>
+          </p:cNvSpPr>
+          <p:nvPr>
+            <p:ph type="title"/>
+          </p:nvPr>
+        </p:nvSpPr>
+        <p:spPr/>
+        <p:txBody>
+          <a:bodyPr/>
+          <a:lstStyle/>
+          <a:p>
+            <a:endParaRPr lang="en-US" dirty="0"/>
           </a:p>
         </p:txBody>
       </p:sp>
@@ -5156,7 +5610,7 @@
 </p:sld>
 </file>
 
-<file path=ppt/slides/slide15.xml><?xml version="1.0" encoding="utf-8"?>
+<file path=ppt/slides/slide18.xml><?xml version="1.0" encoding="utf-8"?>
 <p:sld xmlns:a="http://schemas.openxmlformats.org/drawingml/2006/main" xmlns:r="http://schemas.openxmlformats.org/officeDocument/2006/relationships" xmlns:p="http://schemas.openxmlformats.org/presentationml/2006/main">
   <p:cSld>
     <p:spTree>
@@ -5252,7 +5706,7 @@
 </p:sld>
 </file>
 
-<file path=ppt/slides/slide16.xml><?xml version="1.0" encoding="utf-8"?>
+<file path=ppt/slides/slide19.xml><?xml version="1.0" encoding="utf-8"?>
 <p:sld xmlns:a="http://schemas.openxmlformats.org/drawingml/2006/main" xmlns:r="http://schemas.openxmlformats.org/officeDocument/2006/relationships" xmlns:p="http://schemas.openxmlformats.org/presentationml/2006/main">
   <p:cSld>
     <p:spTree>
@@ -5342,342 +5796,6 @@
 </p:sld>
 </file>
 
-<file path=ppt/slides/slide17.xml><?xml version="1.0" encoding="utf-8"?>
-<p:sld xmlns:a="http://schemas.openxmlformats.org/drawingml/2006/main" xmlns:r="http://schemas.openxmlformats.org/officeDocument/2006/relationships" xmlns:p="http://schemas.openxmlformats.org/presentationml/2006/main">
-  <p:cSld>
-    <p:spTree>
-      <p:nvGrpSpPr>
-        <p:cNvPr id="1" name=""/>
-        <p:cNvGrpSpPr/>
-        <p:nvPr/>
-      </p:nvGrpSpPr>
-      <p:grpSpPr>
-        <a:xfrm>
-          <a:off x="0" y="0"/>
-          <a:ext cx="0" cy="0"/>
-          <a:chOff x="0" y="0"/>
-          <a:chExt cx="0" cy="0"/>
-        </a:xfrm>
-      </p:grpSpPr>
-      <p:sp>
-        <p:nvSpPr>
-          <p:cNvPr id="2" name="Title 1">
-            <a:extLst>
-              <a:ext uri="{FF2B5EF4-FFF2-40B4-BE49-F238E27FC236}">
-                <a16:creationId xmlns:a16="http://schemas.microsoft.com/office/drawing/2014/main" id="{FACEF194-6395-43A6-A7DE-AC21BDFDCF13}"/>
-              </a:ext>
-            </a:extLst>
-          </p:cNvPr>
-          <p:cNvSpPr>
-            <a:spLocks noGrp="1"/>
-          </p:cNvSpPr>
-          <p:nvPr>
-            <p:ph type="title"/>
-          </p:nvPr>
-        </p:nvSpPr>
-        <p:spPr/>
-        <p:txBody>
-          <a:bodyPr/>
-          <a:lstStyle/>
-          <a:p>
-            <a:r>
-              <a:rPr lang="en-US" dirty="0"/>
-              <a:t>fork</a:t>
-            </a:r>
-          </a:p>
-        </p:txBody>
-      </p:sp>
-      <p:sp>
-        <p:nvSpPr>
-          <p:cNvPr id="3" name="Content Placeholder 2">
-            <a:extLst>
-              <a:ext uri="{FF2B5EF4-FFF2-40B4-BE49-F238E27FC236}">
-                <a16:creationId xmlns:a16="http://schemas.microsoft.com/office/drawing/2014/main" id="{5FBAC233-7CE4-422E-8837-5CFF30B541A8}"/>
-              </a:ext>
-            </a:extLst>
-          </p:cNvPr>
-          <p:cNvSpPr>
-            <a:spLocks noGrp="1"/>
-          </p:cNvSpPr>
-          <p:nvPr>
-            <p:ph idx="1"/>
-          </p:nvPr>
-        </p:nvSpPr>
-        <p:spPr/>
-        <p:txBody>
-          <a:bodyPr/>
-          <a:lstStyle/>
-          <a:p>
-            <a:endParaRPr lang="en-US" dirty="0"/>
-          </a:p>
-          <a:p>
-            <a:r>
-              <a:rPr lang="en-US" dirty="0"/>
-              <a:t>We will have to think of a way that will decide what block will be the last in the chain</a:t>
-            </a:r>
-          </a:p>
-          <a:p>
-            <a:r>
-              <a:rPr lang="en-US" dirty="0"/>
-              <a:t>- So others will know what transactions were approved.</a:t>
-            </a:r>
-          </a:p>
-          <a:p>
-            <a:r>
-              <a:rPr lang="en-US" dirty="0"/>
-              <a:t>- To know what branch to continue from.</a:t>
-            </a:r>
-          </a:p>
-          <a:p>
-            <a:r>
-              <a:rPr lang="en-US" dirty="0"/>
-              <a:t>The longest chain is the most preferred &amp; secured chain </a:t>
-            </a:r>
-          </a:p>
-          <a:p>
-            <a:r>
-              <a:rPr lang="en-US" dirty="0">
-                <a:highlight>
-                  <a:srgbClr val="FFFF00"/>
-                </a:highlight>
-              </a:rPr>
-              <a:t>How can we make sure other nodes will follow this protocol?</a:t>
-            </a:r>
-          </a:p>
-          <a:p>
-            <a:endParaRPr lang="en-US" dirty="0"/>
-          </a:p>
-        </p:txBody>
-      </p:sp>
-    </p:spTree>
-    <p:extLst>
-      <p:ext uri="{BB962C8B-B14F-4D97-AF65-F5344CB8AC3E}">
-        <p14:creationId xmlns:p14="http://schemas.microsoft.com/office/powerpoint/2010/main" val="719026272"/>
-      </p:ext>
-    </p:extLst>
-  </p:cSld>
-  <p:clrMapOvr>
-    <a:masterClrMapping/>
-  </p:clrMapOvr>
-</p:sld>
-</file>
-
-<file path=ppt/slides/slide18.xml><?xml version="1.0" encoding="utf-8"?>
-<p:sld xmlns:a="http://schemas.openxmlformats.org/drawingml/2006/main" xmlns:r="http://schemas.openxmlformats.org/officeDocument/2006/relationships" xmlns:p="http://schemas.openxmlformats.org/presentationml/2006/main">
-  <p:cSld>
-    <p:spTree>
-      <p:nvGrpSpPr>
-        <p:cNvPr id="1" name=""/>
-        <p:cNvGrpSpPr/>
-        <p:nvPr/>
-      </p:nvGrpSpPr>
-      <p:grpSpPr>
-        <a:xfrm>
-          <a:off x="0" y="0"/>
-          <a:ext cx="0" cy="0"/>
-          <a:chOff x="0" y="0"/>
-          <a:chExt cx="0" cy="0"/>
-        </a:xfrm>
-      </p:grpSpPr>
-      <p:sp>
-        <p:nvSpPr>
-          <p:cNvPr id="2" name="Title 1">
-            <a:extLst>
-              <a:ext uri="{FF2B5EF4-FFF2-40B4-BE49-F238E27FC236}">
-                <a16:creationId xmlns:a16="http://schemas.microsoft.com/office/drawing/2014/main" id="{899F4654-D4D0-4AFC-874D-ED370FCDBF32}"/>
-              </a:ext>
-            </a:extLst>
-          </p:cNvPr>
-          <p:cNvSpPr>
-            <a:spLocks noGrp="1"/>
-          </p:cNvSpPr>
-          <p:nvPr>
-            <p:ph type="title"/>
-          </p:nvPr>
-        </p:nvSpPr>
-        <p:spPr/>
-        <p:txBody>
-          <a:bodyPr/>
-          <a:lstStyle/>
-          <a:p>
-            <a:r>
-              <a:rPr lang="en-US" dirty="0"/>
-              <a:t>The protocol of fork</a:t>
-            </a:r>
-          </a:p>
-        </p:txBody>
-      </p:sp>
-      <p:sp>
-        <p:nvSpPr>
-          <p:cNvPr id="3" name="Content Placeholder 2">
-            <a:extLst>
-              <a:ext uri="{FF2B5EF4-FFF2-40B4-BE49-F238E27FC236}">
-                <a16:creationId xmlns:a16="http://schemas.microsoft.com/office/drawing/2014/main" id="{01FE3B03-5D20-47EF-A762-7C5459F08F1A}"/>
-              </a:ext>
-            </a:extLst>
-          </p:cNvPr>
-          <p:cNvSpPr>
-            <a:spLocks noGrp="1"/>
-          </p:cNvSpPr>
-          <p:nvPr>
-            <p:ph idx="1"/>
-          </p:nvPr>
-        </p:nvSpPr>
-        <p:spPr/>
-        <p:txBody>
-          <a:bodyPr/>
-          <a:lstStyle/>
-          <a:p>
-            <a:r>
-              <a:rPr lang="en-US" dirty="0"/>
-              <a:t>When a node has received two or more blocks simultaneously the node will wait for mining.</a:t>
-            </a:r>
-          </a:p>
-          <a:p>
-            <a:r>
-              <a:rPr lang="en-US" dirty="0"/>
-              <a:t>We will add the newest block to that branch where the hash of the block there points to.</a:t>
-            </a:r>
-          </a:p>
-          <a:p>
-            <a:r>
-              <a:rPr lang="en-US" dirty="0"/>
-              <a:t>Now nodes will notice the longest ledger and will continue it from there.</a:t>
-            </a:r>
-          </a:p>
-          <a:p>
-            <a:r>
-              <a:rPr lang="en-US" dirty="0"/>
-              <a:t>The other branch will be called orphaned and the transactions that it holds will be overturned.</a:t>
-            </a:r>
-          </a:p>
-        </p:txBody>
-      </p:sp>
-    </p:spTree>
-    <p:extLst>
-      <p:ext uri="{BB962C8B-B14F-4D97-AF65-F5344CB8AC3E}">
-        <p14:creationId xmlns:p14="http://schemas.microsoft.com/office/powerpoint/2010/main" val="2282217993"/>
-      </p:ext>
-    </p:extLst>
-  </p:cSld>
-  <p:clrMapOvr>
-    <a:masterClrMapping/>
-  </p:clrMapOvr>
-</p:sld>
-</file>
-
-<file path=ppt/slides/slide19.xml><?xml version="1.0" encoding="utf-8"?>
-<p:sld xmlns:a="http://schemas.openxmlformats.org/drawingml/2006/main" xmlns:r="http://schemas.openxmlformats.org/officeDocument/2006/relationships" xmlns:p="http://schemas.openxmlformats.org/presentationml/2006/main">
-  <p:cSld>
-    <p:spTree>
-      <p:nvGrpSpPr>
-        <p:cNvPr id="1" name=""/>
-        <p:cNvGrpSpPr/>
-        <p:nvPr/>
-      </p:nvGrpSpPr>
-      <p:grpSpPr>
-        <a:xfrm>
-          <a:off x="0" y="0"/>
-          <a:ext cx="0" cy="0"/>
-          <a:chOff x="0" y="0"/>
-          <a:chExt cx="0" cy="0"/>
-        </a:xfrm>
-      </p:grpSpPr>
-      <p:sp>
-        <p:nvSpPr>
-          <p:cNvPr id="2" name="Title 1">
-            <a:extLst>
-              <a:ext uri="{FF2B5EF4-FFF2-40B4-BE49-F238E27FC236}">
-                <a16:creationId xmlns:a16="http://schemas.microsoft.com/office/drawing/2014/main" id="{7AD866BC-55D1-466F-AC40-1F43B2CC909B}"/>
-              </a:ext>
-            </a:extLst>
-          </p:cNvPr>
-          <p:cNvSpPr>
-            <a:spLocks noGrp="1"/>
-          </p:cNvSpPr>
-          <p:nvPr>
-            <p:ph type="title"/>
-          </p:nvPr>
-        </p:nvSpPr>
-        <p:spPr/>
-        <p:txBody>
-          <a:bodyPr/>
-          <a:lstStyle/>
-          <a:p>
-            <a:r>
-              <a:rPr lang="en-US" dirty="0"/>
-              <a:t>More about fork</a:t>
-            </a:r>
-          </a:p>
-        </p:txBody>
-      </p:sp>
-      <p:sp>
-        <p:nvSpPr>
-          <p:cNvPr id="3" name="Content Placeholder 2">
-            <a:extLst>
-              <a:ext uri="{FF2B5EF4-FFF2-40B4-BE49-F238E27FC236}">
-                <a16:creationId xmlns:a16="http://schemas.microsoft.com/office/drawing/2014/main" id="{DC648138-2A4E-4273-9DC5-303C766E7DEF}"/>
-              </a:ext>
-            </a:extLst>
-          </p:cNvPr>
-          <p:cNvSpPr>
-            <a:spLocks noGrp="1"/>
-          </p:cNvSpPr>
-          <p:nvPr>
-            <p:ph idx="1"/>
-          </p:nvPr>
-        </p:nvSpPr>
-        <p:spPr/>
-        <p:txBody>
-          <a:bodyPr/>
-          <a:lstStyle/>
-          <a:p>
-            <a:r>
-              <a:rPr lang="en-US" dirty="0"/>
-              <a:t>Often forks are derived from disagreements. </a:t>
-            </a:r>
-          </a:p>
-          <a:p>
-            <a:r>
-              <a:rPr lang="en-US" dirty="0"/>
-              <a:t>Mostly they are disputes about changing the protocol of the coin</a:t>
-            </a:r>
-          </a:p>
-          <a:p>
-            <a:r>
-              <a:rPr lang="en-US" dirty="0"/>
-              <a:t>As a result, the two branches will stay active, but they will be independent from one another.</a:t>
-            </a:r>
-          </a:p>
-          <a:p>
-            <a:r>
-              <a:rPr lang="en-US" dirty="0"/>
-              <a:t>That’s how a new form of a digital coin starts. (</a:t>
-            </a:r>
-            <a:r>
-              <a:rPr lang="en-US" dirty="0" err="1"/>
-              <a:t>i.e</a:t>
-            </a:r>
-            <a:r>
-              <a:rPr lang="en-US" dirty="0"/>
-              <a:t> Bitcoin Cash)</a:t>
-            </a:r>
-          </a:p>
-        </p:txBody>
-      </p:sp>
-    </p:spTree>
-    <p:extLst>
-      <p:ext uri="{BB962C8B-B14F-4D97-AF65-F5344CB8AC3E}">
-        <p14:creationId xmlns:p14="http://schemas.microsoft.com/office/powerpoint/2010/main" val="542811243"/>
-      </p:ext>
-    </p:extLst>
-  </p:cSld>
-  <p:clrMapOvr>
-    <a:masterClrMapping/>
-  </p:clrMapOvr>
-</p:sld>
-</file>
-
 <file path=ppt/slides/slide2.xml><?xml version="1.0" encoding="utf-8"?>
 <p:sld xmlns:a="http://schemas.openxmlformats.org/drawingml/2006/main" xmlns:r="http://schemas.openxmlformats.org/officeDocument/2006/relationships" xmlns:p="http://schemas.openxmlformats.org/presentationml/2006/main">
   <p:cSld>
@@ -5834,7 +5952,7 @@
           <p:cNvPr id="2" name="Title 1">
             <a:extLst>
               <a:ext uri="{FF2B5EF4-FFF2-40B4-BE49-F238E27FC236}">
-                <a16:creationId xmlns:a16="http://schemas.microsoft.com/office/drawing/2014/main" id="{002A5A69-2079-42A1-BC3B-67066FA282A8}"/>
+                <a16:creationId xmlns:a16="http://schemas.microsoft.com/office/drawing/2014/main" id="{FACEF194-6395-43A6-A7DE-AC21BDFDCF13}"/>
               </a:ext>
             </a:extLst>
           </p:cNvPr>
@@ -5852,7 +5970,7 @@
           <a:p>
             <a:r>
               <a:rPr lang="en-US" dirty="0"/>
-              <a:t>Fees </a:t>
+              <a:t>fork</a:t>
             </a:r>
           </a:p>
         </p:txBody>
@@ -5862,7 +5980,7 @@
           <p:cNvPr id="3" name="Content Placeholder 2">
             <a:extLst>
               <a:ext uri="{FF2B5EF4-FFF2-40B4-BE49-F238E27FC236}">
-                <a16:creationId xmlns:a16="http://schemas.microsoft.com/office/drawing/2014/main" id="{70790C2C-537E-4DA4-A86E-0381782E7918}"/>
+                <a16:creationId xmlns:a16="http://schemas.microsoft.com/office/drawing/2014/main" id="{5FBAC233-7CE4-422E-8837-5CFF30B541A8}"/>
               </a:ext>
             </a:extLst>
           </p:cNvPr>
@@ -5878,25 +5996,41 @@
           <a:bodyPr/>
           <a:lstStyle/>
           <a:p>
-            <a:r>
-              <a:rPr lang="en-US" dirty="0"/>
-              <a:t>The difference between the payed amount to the amount that the payee received</a:t>
-            </a:r>
-          </a:p>
-          <a:p>
-            <a:r>
-              <a:rPr lang="en-US" dirty="0"/>
-              <a:t>How high are the fees?</a:t>
-            </a:r>
-          </a:p>
-          <a:p>
-            <a:r>
-              <a:rPr lang="en-US" dirty="0"/>
-              <a:t>Who does get the fees?</a:t>
-            </a:r>
-          </a:p>
-          <a:p>
             <a:endParaRPr lang="en-US" dirty="0"/>
+          </a:p>
+          <a:p>
+            <a:r>
+              <a:rPr lang="en-US" dirty="0"/>
+              <a:t>We will have to think of a way that will decide what block will be the last in the chain</a:t>
+            </a:r>
+          </a:p>
+          <a:p>
+            <a:r>
+              <a:rPr lang="en-US" dirty="0"/>
+              <a:t>- So others will know what transactions were approved.</a:t>
+            </a:r>
+          </a:p>
+          <a:p>
+            <a:r>
+              <a:rPr lang="en-US" dirty="0"/>
+              <a:t>- To know what branch to continue from.</a:t>
+            </a:r>
+          </a:p>
+          <a:p>
+            <a:r>
+              <a:rPr lang="en-US" dirty="0"/>
+              <a:t>The longest chain is the most preferred &amp; secured chain </a:t>
+            </a:r>
+          </a:p>
+          <a:p>
+            <a:r>
+              <a:rPr lang="en-US" dirty="0">
+                <a:highlight>
+                  <a:srgbClr val="FFFF00"/>
+                </a:highlight>
+              </a:rPr>
+              <a:t>How can we make sure other nodes will follow this protocol?</a:t>
+            </a:r>
           </a:p>
           <a:p>
             <a:endParaRPr lang="en-US" dirty="0"/>
@@ -5906,7 +6040,7 @@
     </p:spTree>
     <p:extLst>
       <p:ext uri="{BB962C8B-B14F-4D97-AF65-F5344CB8AC3E}">
-        <p14:creationId xmlns:p14="http://schemas.microsoft.com/office/powerpoint/2010/main" val="2829862257"/>
+        <p14:creationId xmlns:p14="http://schemas.microsoft.com/office/powerpoint/2010/main" val="719026272"/>
       </p:ext>
     </p:extLst>
   </p:cSld>
@@ -5938,6 +6072,339 @@
           <p:cNvPr id="2" name="Title 1">
             <a:extLst>
               <a:ext uri="{FF2B5EF4-FFF2-40B4-BE49-F238E27FC236}">
+                <a16:creationId xmlns:a16="http://schemas.microsoft.com/office/drawing/2014/main" id="{899F4654-D4D0-4AFC-874D-ED370FCDBF32}"/>
+              </a:ext>
+            </a:extLst>
+          </p:cNvPr>
+          <p:cNvSpPr>
+            <a:spLocks noGrp="1"/>
+          </p:cNvSpPr>
+          <p:nvPr>
+            <p:ph type="title"/>
+          </p:nvPr>
+        </p:nvSpPr>
+        <p:spPr/>
+        <p:txBody>
+          <a:bodyPr/>
+          <a:lstStyle/>
+          <a:p>
+            <a:r>
+              <a:rPr lang="en-US" dirty="0"/>
+              <a:t>The protocol of fork</a:t>
+            </a:r>
+          </a:p>
+        </p:txBody>
+      </p:sp>
+      <p:sp>
+        <p:nvSpPr>
+          <p:cNvPr id="3" name="Content Placeholder 2">
+            <a:extLst>
+              <a:ext uri="{FF2B5EF4-FFF2-40B4-BE49-F238E27FC236}">
+                <a16:creationId xmlns:a16="http://schemas.microsoft.com/office/drawing/2014/main" id="{01FE3B03-5D20-47EF-A762-7C5459F08F1A}"/>
+              </a:ext>
+            </a:extLst>
+          </p:cNvPr>
+          <p:cNvSpPr>
+            <a:spLocks noGrp="1"/>
+          </p:cNvSpPr>
+          <p:nvPr>
+            <p:ph idx="1"/>
+          </p:nvPr>
+        </p:nvSpPr>
+        <p:spPr/>
+        <p:txBody>
+          <a:bodyPr/>
+          <a:lstStyle/>
+          <a:p>
+            <a:r>
+              <a:rPr lang="en-US" dirty="0"/>
+              <a:t>When a node has received two or more blocks simultaneously the node will wait for mining.</a:t>
+            </a:r>
+          </a:p>
+          <a:p>
+            <a:r>
+              <a:rPr lang="en-US" dirty="0"/>
+              <a:t>We will add the newest block to that branch where the hash of the block there points to.</a:t>
+            </a:r>
+          </a:p>
+          <a:p>
+            <a:r>
+              <a:rPr lang="en-US" dirty="0"/>
+              <a:t>Now nodes will notice the longest ledger and will continue it from there.</a:t>
+            </a:r>
+          </a:p>
+          <a:p>
+            <a:r>
+              <a:rPr lang="en-US" dirty="0"/>
+              <a:t>The other branch will be called orphaned and the transactions that it holds will be overturned. </a:t>
+            </a:r>
+            <a:r>
+              <a:rPr lang="he-IL" dirty="0">
+                <a:highlight>
+                  <a:srgbClr val="FFFF00"/>
+                </a:highlight>
+              </a:rPr>
+              <a:t>להוסיף שהשני לא יקבל ביטקוינים</a:t>
+            </a:r>
+            <a:endParaRPr lang="en-US" dirty="0">
+              <a:highlight>
+                <a:srgbClr val="FFFF00"/>
+              </a:highlight>
+            </a:endParaRPr>
+          </a:p>
+        </p:txBody>
+      </p:sp>
+    </p:spTree>
+    <p:extLst>
+      <p:ext uri="{BB962C8B-B14F-4D97-AF65-F5344CB8AC3E}">
+        <p14:creationId xmlns:p14="http://schemas.microsoft.com/office/powerpoint/2010/main" val="2282217993"/>
+      </p:ext>
+    </p:extLst>
+  </p:cSld>
+  <p:clrMapOvr>
+    <a:masterClrMapping/>
+  </p:clrMapOvr>
+</p:sld>
+</file>
+
+<file path=ppt/slides/slide22.xml><?xml version="1.0" encoding="utf-8"?>
+<p:sld xmlns:a="http://schemas.openxmlformats.org/drawingml/2006/main" xmlns:r="http://schemas.openxmlformats.org/officeDocument/2006/relationships" xmlns:p="http://schemas.openxmlformats.org/presentationml/2006/main">
+  <p:cSld>
+    <p:spTree>
+      <p:nvGrpSpPr>
+        <p:cNvPr id="1" name=""/>
+        <p:cNvGrpSpPr/>
+        <p:nvPr/>
+      </p:nvGrpSpPr>
+      <p:grpSpPr>
+        <a:xfrm>
+          <a:off x="0" y="0"/>
+          <a:ext cx="0" cy="0"/>
+          <a:chOff x="0" y="0"/>
+          <a:chExt cx="0" cy="0"/>
+        </a:xfrm>
+      </p:grpSpPr>
+      <p:sp>
+        <p:nvSpPr>
+          <p:cNvPr id="2" name="Title 1">
+            <a:extLst>
+              <a:ext uri="{FF2B5EF4-FFF2-40B4-BE49-F238E27FC236}">
+                <a16:creationId xmlns:a16="http://schemas.microsoft.com/office/drawing/2014/main" id="{7AD866BC-55D1-466F-AC40-1F43B2CC909B}"/>
+              </a:ext>
+            </a:extLst>
+          </p:cNvPr>
+          <p:cNvSpPr>
+            <a:spLocks noGrp="1"/>
+          </p:cNvSpPr>
+          <p:nvPr>
+            <p:ph type="title"/>
+          </p:nvPr>
+        </p:nvSpPr>
+        <p:spPr/>
+        <p:txBody>
+          <a:bodyPr/>
+          <a:lstStyle/>
+          <a:p>
+            <a:r>
+              <a:rPr lang="en-US" dirty="0"/>
+              <a:t>More about fork</a:t>
+            </a:r>
+          </a:p>
+        </p:txBody>
+      </p:sp>
+      <p:sp>
+        <p:nvSpPr>
+          <p:cNvPr id="3" name="Content Placeholder 2">
+            <a:extLst>
+              <a:ext uri="{FF2B5EF4-FFF2-40B4-BE49-F238E27FC236}">
+                <a16:creationId xmlns:a16="http://schemas.microsoft.com/office/drawing/2014/main" id="{DC648138-2A4E-4273-9DC5-303C766E7DEF}"/>
+              </a:ext>
+            </a:extLst>
+          </p:cNvPr>
+          <p:cNvSpPr>
+            <a:spLocks noGrp="1"/>
+          </p:cNvSpPr>
+          <p:nvPr>
+            <p:ph idx="1"/>
+          </p:nvPr>
+        </p:nvSpPr>
+        <p:spPr/>
+        <p:txBody>
+          <a:bodyPr/>
+          <a:lstStyle/>
+          <a:p>
+            <a:r>
+              <a:rPr lang="en-US" dirty="0"/>
+              <a:t>Often forks are derived from disagreements. </a:t>
+            </a:r>
+          </a:p>
+          <a:p>
+            <a:r>
+              <a:rPr lang="en-US" dirty="0"/>
+              <a:t>Mostly they are disputes about changing the protocol of the coin</a:t>
+            </a:r>
+          </a:p>
+          <a:p>
+            <a:r>
+              <a:rPr lang="en-US" dirty="0"/>
+              <a:t>As a result, the two branches will stay active, but they will be independent from one another.</a:t>
+            </a:r>
+          </a:p>
+          <a:p>
+            <a:r>
+              <a:rPr lang="en-US" dirty="0"/>
+              <a:t>That’s how a new form of a digital coin starts. (</a:t>
+            </a:r>
+            <a:r>
+              <a:rPr lang="en-US" dirty="0" err="1"/>
+              <a:t>i.e</a:t>
+            </a:r>
+            <a:r>
+              <a:rPr lang="en-US" dirty="0"/>
+              <a:t> Bitcoin Cash)</a:t>
+            </a:r>
+          </a:p>
+        </p:txBody>
+      </p:sp>
+    </p:spTree>
+    <p:extLst>
+      <p:ext uri="{BB962C8B-B14F-4D97-AF65-F5344CB8AC3E}">
+        <p14:creationId xmlns:p14="http://schemas.microsoft.com/office/powerpoint/2010/main" val="542811243"/>
+      </p:ext>
+    </p:extLst>
+  </p:cSld>
+  <p:clrMapOvr>
+    <a:masterClrMapping/>
+  </p:clrMapOvr>
+</p:sld>
+</file>
+
+<file path=ppt/slides/slide23.xml><?xml version="1.0" encoding="utf-8"?>
+<p:sld xmlns:a="http://schemas.openxmlformats.org/drawingml/2006/main" xmlns:r="http://schemas.openxmlformats.org/officeDocument/2006/relationships" xmlns:p="http://schemas.openxmlformats.org/presentationml/2006/main">
+  <p:cSld>
+    <p:spTree>
+      <p:nvGrpSpPr>
+        <p:cNvPr id="1" name=""/>
+        <p:cNvGrpSpPr/>
+        <p:nvPr/>
+      </p:nvGrpSpPr>
+      <p:grpSpPr>
+        <a:xfrm>
+          <a:off x="0" y="0"/>
+          <a:ext cx="0" cy="0"/>
+          <a:chOff x="0" y="0"/>
+          <a:chExt cx="0" cy="0"/>
+        </a:xfrm>
+      </p:grpSpPr>
+      <p:sp>
+        <p:nvSpPr>
+          <p:cNvPr id="2" name="Title 1">
+            <a:extLst>
+              <a:ext uri="{FF2B5EF4-FFF2-40B4-BE49-F238E27FC236}">
+                <a16:creationId xmlns:a16="http://schemas.microsoft.com/office/drawing/2014/main" id="{002A5A69-2079-42A1-BC3B-67066FA282A8}"/>
+              </a:ext>
+            </a:extLst>
+          </p:cNvPr>
+          <p:cNvSpPr>
+            <a:spLocks noGrp="1"/>
+          </p:cNvSpPr>
+          <p:nvPr>
+            <p:ph type="title"/>
+          </p:nvPr>
+        </p:nvSpPr>
+        <p:spPr/>
+        <p:txBody>
+          <a:bodyPr/>
+          <a:lstStyle/>
+          <a:p>
+            <a:r>
+              <a:rPr lang="en-US" dirty="0"/>
+              <a:t>Fees </a:t>
+            </a:r>
+          </a:p>
+        </p:txBody>
+      </p:sp>
+      <p:sp>
+        <p:nvSpPr>
+          <p:cNvPr id="3" name="Content Placeholder 2">
+            <a:extLst>
+              <a:ext uri="{FF2B5EF4-FFF2-40B4-BE49-F238E27FC236}">
+                <a16:creationId xmlns:a16="http://schemas.microsoft.com/office/drawing/2014/main" id="{70790C2C-537E-4DA4-A86E-0381782E7918}"/>
+              </a:ext>
+            </a:extLst>
+          </p:cNvPr>
+          <p:cNvSpPr>
+            <a:spLocks noGrp="1"/>
+          </p:cNvSpPr>
+          <p:nvPr>
+            <p:ph idx="1"/>
+          </p:nvPr>
+        </p:nvSpPr>
+        <p:spPr/>
+        <p:txBody>
+          <a:bodyPr/>
+          <a:lstStyle/>
+          <a:p>
+            <a:r>
+              <a:rPr lang="en-US" dirty="0"/>
+              <a:t>The difference between the payed amount to the amount that the payee received</a:t>
+            </a:r>
+          </a:p>
+          <a:p>
+            <a:r>
+              <a:rPr lang="en-US" dirty="0"/>
+              <a:t>How high are the fees?</a:t>
+            </a:r>
+          </a:p>
+          <a:p>
+            <a:r>
+              <a:rPr lang="en-US" dirty="0"/>
+              <a:t>Who does get the fees?</a:t>
+            </a:r>
+          </a:p>
+          <a:p>
+            <a:endParaRPr lang="en-US" dirty="0"/>
+          </a:p>
+          <a:p>
+            <a:endParaRPr lang="en-US" dirty="0"/>
+          </a:p>
+        </p:txBody>
+      </p:sp>
+    </p:spTree>
+    <p:extLst>
+      <p:ext uri="{BB962C8B-B14F-4D97-AF65-F5344CB8AC3E}">
+        <p14:creationId xmlns:p14="http://schemas.microsoft.com/office/powerpoint/2010/main" val="2829862257"/>
+      </p:ext>
+    </p:extLst>
+  </p:cSld>
+  <p:clrMapOvr>
+    <a:masterClrMapping/>
+  </p:clrMapOvr>
+</p:sld>
+</file>
+
+<file path=ppt/slides/slide24.xml><?xml version="1.0" encoding="utf-8"?>
+<p:sld xmlns:a="http://schemas.openxmlformats.org/drawingml/2006/main" xmlns:r="http://schemas.openxmlformats.org/officeDocument/2006/relationships" xmlns:p="http://schemas.openxmlformats.org/presentationml/2006/main">
+  <p:cSld>
+    <p:spTree>
+      <p:nvGrpSpPr>
+        <p:cNvPr id="1" name=""/>
+        <p:cNvGrpSpPr/>
+        <p:nvPr/>
+      </p:nvGrpSpPr>
+      <p:grpSpPr>
+        <a:xfrm>
+          <a:off x="0" y="0"/>
+          <a:ext cx="0" cy="0"/>
+          <a:chOff x="0" y="0"/>
+          <a:chExt cx="0" cy="0"/>
+        </a:xfrm>
+      </p:grpSpPr>
+      <p:sp>
+        <p:nvSpPr>
+          <p:cNvPr id="2" name="Title 1">
+            <a:extLst>
+              <a:ext uri="{FF2B5EF4-FFF2-40B4-BE49-F238E27FC236}">
                 <a16:creationId xmlns:a16="http://schemas.microsoft.com/office/drawing/2014/main" id="{94E2B95E-FA9E-45E3-8E93-07A4CD27AEA2}"/>
               </a:ext>
             </a:extLst>
@@ -6017,7 +6484,7 @@
 </p:sld>
 </file>
 
-<file path=ppt/slides/slide22.xml><?xml version="1.0" encoding="utf-8"?>
+<file path=ppt/slides/slide25.xml><?xml version="1.0" encoding="utf-8"?>
 <p:sld xmlns:a="http://schemas.openxmlformats.org/drawingml/2006/main" xmlns:r="http://schemas.openxmlformats.org/officeDocument/2006/relationships" xmlns:p="http://schemas.openxmlformats.org/presentationml/2006/main">
   <p:cSld>
     <p:spTree>
@@ -6158,7 +6625,7 @@
 </p:sld>
 </file>
 
-<file path=ppt/slides/slide23.xml><?xml version="1.0" encoding="utf-8"?>
+<file path=ppt/slides/slide26.xml><?xml version="1.0" encoding="utf-8"?>
 <p:sld xmlns:a="http://schemas.openxmlformats.org/drawingml/2006/main" xmlns:r="http://schemas.openxmlformats.org/officeDocument/2006/relationships" xmlns:p="http://schemas.openxmlformats.org/presentationml/2006/main">
   <p:cSld>
     <p:spTree>
@@ -6262,7 +6729,7 @@
 </p:sld>
 </file>
 
-<file path=ppt/slides/slide24.xml><?xml version="1.0" encoding="utf-8"?>
+<file path=ppt/slides/slide27.xml><?xml version="1.0" encoding="utf-8"?>
 <p:sld xmlns:a="http://schemas.openxmlformats.org/drawingml/2006/main" xmlns:r="http://schemas.openxmlformats.org/officeDocument/2006/relationships" xmlns:p="http://schemas.openxmlformats.org/presentationml/2006/main">
   <p:cSld>
     <p:spTree>
@@ -6401,7 +6868,7 @@
 </p:sld>
 </file>
 
-<file path=ppt/slides/slide25.xml><?xml version="1.0" encoding="utf-8"?>
+<file path=ppt/slides/slide28.xml><?xml version="1.0" encoding="utf-8"?>
 <p:sld xmlns:a="http://schemas.openxmlformats.org/drawingml/2006/main" xmlns:r="http://schemas.openxmlformats.org/officeDocument/2006/relationships" xmlns:p="http://schemas.openxmlformats.org/presentationml/2006/main">
   <p:cSld>
     <p:spTree>
@@ -6484,7 +6951,7 @@
 </p:sld>
 </file>
 
-<file path=ppt/slides/slide26.xml><?xml version="1.0" encoding="utf-8"?>
+<file path=ppt/slides/slide29.xml><?xml version="1.0" encoding="utf-8"?>
 <p:sld xmlns:a="http://schemas.openxmlformats.org/drawingml/2006/main" xmlns:r="http://schemas.openxmlformats.org/officeDocument/2006/relationships" xmlns:p="http://schemas.openxmlformats.org/presentationml/2006/main">
   <p:cSld>
     <p:spTree>
@@ -7054,14 +7521,54 @@
             <p:ph idx="1"/>
           </p:nvPr>
         </p:nvSpPr>
-        <p:spPr/>
-        <p:txBody>
-          <a:bodyPr/>
-          <a:lstStyle/>
-          <a:p>
-            <a:r>
-              <a:rPr lang="en-US" dirty="0"/>
-              <a:t>Each block is composed of:</a:t>
+        <p:spPr>
+          <a:xfrm>
+            <a:off x="581192" y="2259584"/>
+            <a:ext cx="11029615" cy="3634486"/>
+          </a:xfrm>
+        </p:spPr>
+        <p:txBody>
+          <a:bodyPr>
+            <a:normAutofit lnSpcReduction="10000"/>
+          </a:bodyPr>
+          <a:lstStyle/>
+          <a:p>
+            <a:r>
+              <a:rPr lang="en-US" dirty="0"/>
+              <a:t>Hash is an encrypted string that represents a block. The method we encrypt is by SHA-256. </a:t>
+            </a:r>
+            <a:r>
+              <a:rPr lang="en-US" dirty="0">
+                <a:highlight>
+                  <a:srgbClr val="FFFF00"/>
+                </a:highlight>
+              </a:rPr>
+              <a:t>(</a:t>
+            </a:r>
+            <a:r>
+              <a:rPr lang="he-IL" dirty="0">
+                <a:highlight>
+                  <a:srgbClr val="FFFF00"/>
+                </a:highlight>
+              </a:rPr>
+              <a:t>אפשר להרחיב על ההצפנה הזאת)</a:t>
+            </a:r>
+            <a:endParaRPr lang="en-US" dirty="0">
+              <a:highlight>
+                <a:srgbClr val="FFFF00"/>
+              </a:highlight>
+            </a:endParaRPr>
+          </a:p>
+          <a:p>
+            <a:r>
+              <a:rPr lang="en-US" dirty="0"/>
+              <a:t>Every block is composed of:</a:t>
+            </a:r>
+          </a:p>
+          <a:p>
+            <a:r>
+              <a:rPr lang="en-US" dirty="0"/>
+              <a:t>A hash string</a:t>
             </a:r>
           </a:p>
           <a:p>
@@ -7073,7 +7580,7 @@
           <a:p>
             <a:r>
               <a:rPr lang="en-US" dirty="0"/>
-              <a:t>A nonce </a:t>
+              <a:t>A nonce (it’s a number whose value is adjusted so that the hash of the block will be less than or equal to the current target of the network)</a:t>
             </a:r>
           </a:p>
           <a:p>
@@ -7177,7 +7684,7 @@
           <a:p>
             <a:r>
               <a:rPr lang="en-US" dirty="0"/>
-              <a:t>The attacker will have to validate each block by finding a correct nonce which takes a whole lot of time</a:t>
+              <a:t>The attacker will have to validate(we will talk more about it later) each block by finding a correct nonce which takes a whole lot of time</a:t>
             </a:r>
           </a:p>
           <a:p>
@@ -7185,9 +7692,16 @@
               <a:buNone/>
             </a:pPr>
             <a:r>
-              <a:rPr lang="he-IL" dirty="0"/>
-              <a:t>אפשר להציג כאן הדגמה </a:t>
-            </a:r>
+              <a:rPr lang="en-US" dirty="0"/>
+              <a:t>Illustration: </a:t>
+            </a:r>
+            <a:r>
+              <a:rPr lang="en-US" dirty="0">
+                <a:hlinkClick r:id="rId2"/>
+              </a:rPr>
+              <a:t>https://andersbrownworth.com/blockchain</a:t>
+            </a:r>
+            <a:endParaRPr lang="en-US" dirty="0"/>
           </a:p>
         </p:txBody>
       </p:sp>
